--- a/poster/posterV1.pptx
+++ b/poster/posterV1.pptx
@@ -104,6 +104,11 @@
       </a:defRPr>
     </a:lvl9pPr>
   </p:defaultTextStyle>
+  <p:extLst>
+    <p:ext uri="{EFAFB233-063F-42B5-8137-9DF3F51BA10A}">
+      <p15:sldGuideLst xmlns:p15="http://schemas.microsoft.com/office/powerpoint/2012/main"/>
+    </p:ext>
+  </p:extLst>
 </p:presentation>
 </file>
 
@@ -3144,12 +3149,6 @@
               </a:rPr>
               <a:t>“Hệ thống giúp giảm tải gánh nặng trong quản lý hành chính trường học”</a:t>
             </a:r>
-            <a:endParaRPr lang="vi-VN" sz="1600" dirty="0">
-              <a:solidFill>
-                <a:schemeClr val="bg1"/>
-              </a:solidFill>
-              <a:latin typeface="+mj-lt"/>
-            </a:endParaRPr>
           </a:p>
         </p:txBody>
       </p:sp>
@@ -3217,12 +3216,6 @@
               </a:rPr>
               <a:t>Khoa CNTT – Lớp 16CNTN – Nhóm NAME</a:t>
             </a:r>
-            <a:endParaRPr lang="vi-VN" sz="1600" dirty="0">
-              <a:solidFill>
-                <a:schemeClr val="bg1"/>
-              </a:solidFill>
-              <a:latin typeface="+mj-lt"/>
-            </a:endParaRPr>
           </a:p>
         </p:txBody>
       </p:sp>
@@ -3365,12 +3358,6 @@
               </a:rPr>
               <a:t>Thông tin nhóm</a:t>
             </a:r>
-            <a:endParaRPr lang="vi-VN" sz="1600" b="1" dirty="0">
-              <a:solidFill>
-                <a:schemeClr val="bg1"/>
-              </a:solidFill>
-              <a:latin typeface="+mj-lt"/>
-            </a:endParaRPr>
           </a:p>
         </p:txBody>
       </p:sp>
@@ -3484,14 +3471,143 @@
       </p:sp>
       <p:sp>
         <p:nvSpPr>
-          <p:cNvPr id="26" name="TextBox 25"/>
+          <p:cNvPr id="3" name="Rectangle: Rounded Corners 2"/>
+          <p:cNvSpPr/>
+          <p:nvPr/>
+        </p:nvSpPr>
+        <p:spPr>
+          <a:xfrm>
+            <a:off x="186213" y="1909440"/>
+            <a:ext cx="4534070" cy="3721992"/>
+          </a:xfrm>
+          <a:prstGeom prst="roundRect">
+            <a:avLst/>
+          </a:prstGeom>
+          <a:solidFill>
+            <a:schemeClr val="bg1"/>
+          </a:solidFill>
+        </p:spPr>
+        <p:style>
+          <a:lnRef idx="2">
+            <a:schemeClr val="accent1">
+              <a:shade val="50000"/>
+            </a:schemeClr>
+          </a:lnRef>
+          <a:fillRef idx="1">
+            <a:schemeClr val="accent1"/>
+          </a:fillRef>
+          <a:effectRef idx="0">
+            <a:schemeClr val="accent1"/>
+          </a:effectRef>
+          <a:fontRef idx="minor">
+            <a:schemeClr val="lt1"/>
+          </a:fontRef>
+        </p:style>
+        <p:txBody>
+          <a:bodyPr rtlCol="0" anchor="ctr"/>
+          <a:lstStyle/>
+          <a:p>
+            <a:pPr algn="ctr"/>
+            <a:endParaRPr lang="vi-VN"/>
+          </a:p>
+        </p:txBody>
+      </p:sp>
+      <p:sp>
+        <p:nvSpPr>
+          <p:cNvPr id="20" name="Rectangle: Rounded Corners 19"/>
+          <p:cNvSpPr/>
+          <p:nvPr/>
+        </p:nvSpPr>
+        <p:spPr>
+          <a:xfrm>
+            <a:off x="247137" y="6070849"/>
+            <a:ext cx="9045143" cy="5162453"/>
+          </a:xfrm>
+          <a:prstGeom prst="roundRect">
+            <a:avLst/>
+          </a:prstGeom>
+          <a:solidFill>
+            <a:schemeClr val="bg1"/>
+          </a:solidFill>
+        </p:spPr>
+        <p:style>
+          <a:lnRef idx="2">
+            <a:schemeClr val="accent1">
+              <a:shade val="50000"/>
+            </a:schemeClr>
+          </a:lnRef>
+          <a:fillRef idx="1">
+            <a:schemeClr val="accent1"/>
+          </a:fillRef>
+          <a:effectRef idx="0">
+            <a:schemeClr val="accent1"/>
+          </a:effectRef>
+          <a:fontRef idx="minor">
+            <a:schemeClr val="lt1"/>
+          </a:fontRef>
+        </p:style>
+        <p:txBody>
+          <a:bodyPr rtlCol="0" anchor="ctr"/>
+          <a:lstStyle/>
+          <a:p>
+            <a:pPr algn="ctr"/>
+            <a:endParaRPr lang="vi-VN"/>
+          </a:p>
+        </p:txBody>
+      </p:sp>
+      <p:sp>
+        <p:nvSpPr>
+          <p:cNvPr id="22" name="Rectangle: Rounded Corners 21"/>
+          <p:cNvSpPr/>
+          <p:nvPr/>
+        </p:nvSpPr>
+        <p:spPr>
+          <a:xfrm>
+            <a:off x="4881783" y="1958873"/>
+            <a:ext cx="4534070" cy="3672559"/>
+          </a:xfrm>
+          <a:prstGeom prst="roundRect">
+            <a:avLst/>
+          </a:prstGeom>
+          <a:solidFill>
+            <a:schemeClr val="bg1"/>
+          </a:solidFill>
+        </p:spPr>
+        <p:style>
+          <a:lnRef idx="2">
+            <a:schemeClr val="accent1">
+              <a:shade val="50000"/>
+            </a:schemeClr>
+          </a:lnRef>
+          <a:fillRef idx="1">
+            <a:schemeClr val="accent1"/>
+          </a:fillRef>
+          <a:effectRef idx="0">
+            <a:schemeClr val="accent1"/>
+          </a:effectRef>
+          <a:fontRef idx="minor">
+            <a:schemeClr val="lt1"/>
+          </a:fontRef>
+        </p:style>
+        <p:txBody>
+          <a:bodyPr rtlCol="0" anchor="ctr"/>
+          <a:lstStyle/>
+          <a:p>
+            <a:pPr algn="ctr"/>
+            <a:endParaRPr lang="vi-VN"/>
+          </a:p>
+        </p:txBody>
+      </p:sp>
+      <p:sp>
+        <p:nvSpPr>
+          <p:cNvPr id="4" name="TextBox 3"/>
           <p:cNvSpPr txBox="1"/>
           <p:nvPr/>
         </p:nvSpPr>
         <p:spPr>
           <a:xfrm>
-            <a:off x="3458308" y="1852246"/>
-            <a:ext cx="1219200" cy="369332"/>
+            <a:off x="1628775" y="2023735"/>
+            <a:ext cx="1732263" cy="369332"/>
           </a:xfrm>
           <a:prstGeom prst="rect">
             <a:avLst/>
@@ -3505,10 +3621,101 @@
           <a:lstStyle/>
           <a:p>
             <a:r>
-              <a:rPr lang="en-US" dirty="0"/>
-              <a:t>PROBLEM</a:t>
-            </a:r>
-            <a:endParaRPr lang="vi-VN" dirty="0"/>
+              <a:rPr lang="en-US" b="1" dirty="0"/>
+              <a:t>THỰC TRẠNG</a:t>
+            </a:r>
+            <a:endParaRPr lang="vi-VN" b="1" dirty="0"/>
+          </a:p>
+        </p:txBody>
+      </p:sp>
+      <p:sp>
+        <p:nvSpPr>
+          <p:cNvPr id="23" name="TextBox 22"/>
+          <p:cNvSpPr txBox="1"/>
+          <p:nvPr/>
+        </p:nvSpPr>
+        <p:spPr>
+          <a:xfrm>
+            <a:off x="6872164" y="2176135"/>
+            <a:ext cx="1732263" cy="646331"/>
+          </a:xfrm>
+          <a:prstGeom prst="rect">
+            <a:avLst/>
+          </a:prstGeom>
+          <a:noFill/>
+        </p:spPr>
+        <p:txBody>
+          <a:bodyPr wrap="square" rtlCol="0">
+            <a:spAutoFit/>
+          </a:bodyPr>
+          <a:lstStyle/>
+          <a:p>
+            <a:r>
+              <a:rPr lang="en-US" b="1" dirty="0" err="1"/>
+              <a:t>Mục</a:t>
+            </a:r>
+            <a:r>
+              <a:rPr lang="en-US" b="1" dirty="0"/>
+              <a:t> </a:t>
+            </a:r>
+            <a:r>
+              <a:rPr lang="en-US" b="1" dirty="0" err="1"/>
+              <a:t>đích</a:t>
+            </a:r>
+            <a:r>
+              <a:rPr lang="en-US" b="1" dirty="0"/>
+              <a:t> </a:t>
+            </a:r>
+            <a:r>
+              <a:rPr lang="en-US" b="1" dirty="0" err="1"/>
+              <a:t>đối</a:t>
+            </a:r>
+            <a:r>
+              <a:rPr lang="en-US" b="1" dirty="0"/>
+              <a:t> t</a:t>
+            </a:r>
+            <a:r>
+              <a:rPr lang="vi-VN" b="1" dirty="0"/>
+              <a:t>ượng</a:t>
+            </a:r>
+          </a:p>
+        </p:txBody>
+      </p:sp>
+      <p:sp>
+        <p:nvSpPr>
+          <p:cNvPr id="24" name="TextBox 23"/>
+          <p:cNvSpPr txBox="1"/>
+          <p:nvPr/>
+        </p:nvSpPr>
+        <p:spPr>
+          <a:xfrm>
+            <a:off x="1781175" y="6772854"/>
+            <a:ext cx="1732263" cy="369332"/>
+          </a:xfrm>
+          <a:prstGeom prst="rect">
+            <a:avLst/>
+          </a:prstGeom>
+          <a:noFill/>
+        </p:spPr>
+        <p:txBody>
+          <a:bodyPr wrap="square" rtlCol="0">
+            <a:spAutoFit/>
+          </a:bodyPr>
+          <a:lstStyle/>
+          <a:p>
+            <a:r>
+              <a:rPr lang="en-US" b="1" dirty="0" err="1"/>
+              <a:t>Giải</a:t>
+            </a:r>
+            <a:r>
+              <a:rPr lang="en-US" b="1" dirty="0"/>
+              <a:t> </a:t>
+            </a:r>
+            <a:r>
+              <a:rPr lang="en-US" b="1"/>
+              <a:t>pháp</a:t>
+            </a:r>
+            <a:endParaRPr lang="vi-VN" b="1" dirty="0"/>
           </a:p>
         </p:txBody>
       </p:sp>

--- a/poster/posterV1.pptx
+++ b/poster/posterV1.pptx
@@ -6,6 +6,10 @@
   </p:sldMasterIdLst>
   <p:sldIdLst>
     <p:sldId id="256" r:id="rId2"/>
+    <p:sldId id="260" r:id="rId3"/>
+    <p:sldId id="257" r:id="rId4"/>
+    <p:sldId id="259" r:id="rId5"/>
+    <p:sldId id="258" r:id="rId6"/>
   </p:sldIdLst>
   <p:sldSz cx="9601200" cy="12801600" type="A3"/>
   <p:notesSz cx="9144000" cy="6858000"/>
@@ -243,7 +247,7 @@
           <a:p>
             <a:fld id="{2B8320EC-1EA2-49B6-83C4-959670EB8355}" type="datetimeFigureOut">
               <a:rPr lang="vi-VN" smtClean="0"/>
-              <a:t>30/03/2017</a:t>
+              <a:t>01/04/2017</a:t>
             </a:fld>
             <a:endParaRPr lang="vi-VN"/>
           </a:p>
@@ -413,7 +417,7 @@
           <a:p>
             <a:fld id="{2B8320EC-1EA2-49B6-83C4-959670EB8355}" type="datetimeFigureOut">
               <a:rPr lang="vi-VN" smtClean="0"/>
-              <a:t>30/03/2017</a:t>
+              <a:t>01/04/2017</a:t>
             </a:fld>
             <a:endParaRPr lang="vi-VN"/>
           </a:p>
@@ -593,7 +597,7 @@
           <a:p>
             <a:fld id="{2B8320EC-1EA2-49B6-83C4-959670EB8355}" type="datetimeFigureOut">
               <a:rPr lang="vi-VN" smtClean="0"/>
-              <a:t>30/03/2017</a:t>
+              <a:t>01/04/2017</a:t>
             </a:fld>
             <a:endParaRPr lang="vi-VN"/>
           </a:p>
@@ -763,7 +767,7 @@
           <a:p>
             <a:fld id="{2B8320EC-1EA2-49B6-83C4-959670EB8355}" type="datetimeFigureOut">
               <a:rPr lang="vi-VN" smtClean="0"/>
-              <a:t>30/03/2017</a:t>
+              <a:t>01/04/2017</a:t>
             </a:fld>
             <a:endParaRPr lang="vi-VN"/>
           </a:p>
@@ -1007,7 +1011,7 @@
           <a:p>
             <a:fld id="{2B8320EC-1EA2-49B6-83C4-959670EB8355}" type="datetimeFigureOut">
               <a:rPr lang="vi-VN" smtClean="0"/>
-              <a:t>30/03/2017</a:t>
+              <a:t>01/04/2017</a:t>
             </a:fld>
             <a:endParaRPr lang="vi-VN"/>
           </a:p>
@@ -1239,7 +1243,7 @@
           <a:p>
             <a:fld id="{2B8320EC-1EA2-49B6-83C4-959670EB8355}" type="datetimeFigureOut">
               <a:rPr lang="vi-VN" smtClean="0"/>
-              <a:t>30/03/2017</a:t>
+              <a:t>01/04/2017</a:t>
             </a:fld>
             <a:endParaRPr lang="vi-VN"/>
           </a:p>
@@ -1606,7 +1610,7 @@
           <a:p>
             <a:fld id="{2B8320EC-1EA2-49B6-83C4-959670EB8355}" type="datetimeFigureOut">
               <a:rPr lang="vi-VN" smtClean="0"/>
-              <a:t>30/03/2017</a:t>
+              <a:t>01/04/2017</a:t>
             </a:fld>
             <a:endParaRPr lang="vi-VN"/>
           </a:p>
@@ -1724,7 +1728,7 @@
           <a:p>
             <a:fld id="{2B8320EC-1EA2-49B6-83C4-959670EB8355}" type="datetimeFigureOut">
               <a:rPr lang="vi-VN" smtClean="0"/>
-              <a:t>30/03/2017</a:t>
+              <a:t>01/04/2017</a:t>
             </a:fld>
             <a:endParaRPr lang="vi-VN"/>
           </a:p>
@@ -1819,7 +1823,7 @@
           <a:p>
             <a:fld id="{2B8320EC-1EA2-49B6-83C4-959670EB8355}" type="datetimeFigureOut">
               <a:rPr lang="vi-VN" smtClean="0"/>
-              <a:t>30/03/2017</a:t>
+              <a:t>01/04/2017</a:t>
             </a:fld>
             <a:endParaRPr lang="vi-VN"/>
           </a:p>
@@ -2096,7 +2100,7 @@
           <a:p>
             <a:fld id="{2B8320EC-1EA2-49B6-83C4-959670EB8355}" type="datetimeFigureOut">
               <a:rPr lang="vi-VN" smtClean="0"/>
-              <a:t>30/03/2017</a:t>
+              <a:t>01/04/2017</a:t>
             </a:fld>
             <a:endParaRPr lang="vi-VN"/>
           </a:p>
@@ -2353,7 +2357,7 @@
           <a:p>
             <a:fld id="{2B8320EC-1EA2-49B6-83C4-959670EB8355}" type="datetimeFigureOut">
               <a:rPr lang="vi-VN" smtClean="0"/>
-              <a:t>30/03/2017</a:t>
+              <a:t>01/04/2017</a:t>
             </a:fld>
             <a:endParaRPr lang="vi-VN"/>
           </a:p>
@@ -2566,7 +2570,7 @@
           <a:p>
             <a:fld id="{2B8320EC-1EA2-49B6-83C4-959670EB8355}" type="datetimeFigureOut">
               <a:rPr lang="vi-VN" smtClean="0"/>
-              <a:t>30/03/2017</a:t>
+              <a:t>01/04/2017</a:t>
             </a:fld>
             <a:endParaRPr lang="vi-VN"/>
           </a:p>
@@ -3478,7 +3482,7 @@
         <p:spPr>
           <a:xfrm>
             <a:off x="186213" y="1909440"/>
-            <a:ext cx="4534070" cy="3721992"/>
+            <a:ext cx="4534070" cy="3240847"/>
           </a:xfrm>
           <a:prstGeom prst="roundRect">
             <a:avLst/>
@@ -3520,8 +3524,8 @@
         </p:nvSpPr>
         <p:spPr>
           <a:xfrm>
-            <a:off x="247137" y="6070849"/>
-            <a:ext cx="9045143" cy="5162453"/>
+            <a:off x="197711" y="5367548"/>
+            <a:ext cx="9045143" cy="6007915"/>
           </a:xfrm>
           <a:prstGeom prst="roundRect">
             <a:avLst/>
@@ -3563,8 +3567,8 @@
         </p:nvSpPr>
         <p:spPr>
           <a:xfrm>
-            <a:off x="4881783" y="1958873"/>
-            <a:ext cx="4534070" cy="3672559"/>
+            <a:off x="4881783" y="1958874"/>
+            <a:ext cx="4534070" cy="3191414"/>
           </a:xfrm>
           <a:prstGeom prst="roundRect">
             <a:avLst/>
@@ -3689,8 +3693,1110 @@
         </p:nvSpPr>
         <p:spPr>
           <a:xfrm>
-            <a:off x="1781175" y="6772854"/>
+            <a:off x="3905587" y="5449412"/>
             <a:ext cx="1732263" cy="369332"/>
+          </a:xfrm>
+          <a:prstGeom prst="rect">
+            <a:avLst/>
+          </a:prstGeom>
+          <a:noFill/>
+        </p:spPr>
+        <p:txBody>
+          <a:bodyPr wrap="square" rtlCol="0" anchor="ctr">
+            <a:spAutoFit/>
+          </a:bodyPr>
+          <a:lstStyle/>
+          <a:p>
+            <a:pPr algn="ctr"/>
+            <a:r>
+              <a:rPr lang="en-US" b="1" dirty="0" err="1"/>
+              <a:t>Giải</a:t>
+            </a:r>
+            <a:r>
+              <a:rPr lang="en-US" b="1" dirty="0"/>
+              <a:t> </a:t>
+            </a:r>
+            <a:r>
+              <a:rPr lang="en-US" b="1" dirty="0" err="1"/>
+              <a:t>pháp</a:t>
+            </a:r>
+            <a:endParaRPr lang="vi-VN" b="1" dirty="0"/>
+          </a:p>
+        </p:txBody>
+      </p:sp>
+      <p:sp>
+        <p:nvSpPr>
+          <p:cNvPr id="31" name="Oval 30"/>
+          <p:cNvSpPr/>
+          <p:nvPr/>
+        </p:nvSpPr>
+        <p:spPr>
+          <a:xfrm>
+            <a:off x="913292" y="5903685"/>
+            <a:ext cx="2141839" cy="486548"/>
+          </a:xfrm>
+          <a:prstGeom prst="ellipse">
+            <a:avLst/>
+          </a:prstGeom>
+          <a:solidFill>
+            <a:srgbClr val="F34141"/>
+          </a:solidFill>
+        </p:spPr>
+        <p:style>
+          <a:lnRef idx="2">
+            <a:schemeClr val="accent1">
+              <a:shade val="50000"/>
+            </a:schemeClr>
+          </a:lnRef>
+          <a:fillRef idx="1">
+            <a:schemeClr val="accent1"/>
+          </a:fillRef>
+          <a:effectRef idx="0">
+            <a:schemeClr val="accent1"/>
+          </a:effectRef>
+          <a:fontRef idx="minor">
+            <a:schemeClr val="lt1"/>
+          </a:fontRef>
+        </p:style>
+        <p:txBody>
+          <a:bodyPr rtlCol="0" anchor="ctr"/>
+          <a:lstStyle/>
+          <a:p>
+            <a:pPr algn="ctr"/>
+            <a:r>
+              <a:rPr lang="en-US" sz="1600" b="1" dirty="0">
+                <a:latin typeface="Times New Roman" panose="02020603050405020304" pitchFamily="18" charset="0"/>
+                <a:cs typeface="Times New Roman" panose="02020603050405020304" pitchFamily="18" charset="0"/>
+              </a:rPr>
+              <a:t>Ban </a:t>
+            </a:r>
+            <a:r>
+              <a:rPr lang="en-US" sz="1600" b="1" dirty="0" err="1">
+                <a:latin typeface="Times New Roman" panose="02020603050405020304" pitchFamily="18" charset="0"/>
+                <a:cs typeface="Times New Roman" panose="02020603050405020304" pitchFamily="18" charset="0"/>
+              </a:rPr>
+              <a:t>giám</a:t>
+            </a:r>
+            <a:r>
+              <a:rPr lang="en-US" sz="1600" b="1" dirty="0">
+                <a:latin typeface="Times New Roman" panose="02020603050405020304" pitchFamily="18" charset="0"/>
+                <a:cs typeface="Times New Roman" panose="02020603050405020304" pitchFamily="18" charset="0"/>
+              </a:rPr>
+              <a:t> </a:t>
+            </a:r>
+            <a:r>
+              <a:rPr lang="en-US" sz="1600" b="1" dirty="0" err="1">
+                <a:latin typeface="Times New Roman" panose="02020603050405020304" pitchFamily="18" charset="0"/>
+                <a:cs typeface="Times New Roman" panose="02020603050405020304" pitchFamily="18" charset="0"/>
+              </a:rPr>
+              <a:t>hiệu</a:t>
+            </a:r>
+            <a:endParaRPr lang="vi-VN" sz="1600" b="1" dirty="0">
+              <a:latin typeface="Times New Roman" panose="02020603050405020304" pitchFamily="18" charset="0"/>
+              <a:cs typeface="Times New Roman" panose="02020603050405020304" pitchFamily="18" charset="0"/>
+            </a:endParaRPr>
+          </a:p>
+        </p:txBody>
+      </p:sp>
+      <p:sp>
+        <p:nvSpPr>
+          <p:cNvPr id="32" name="Rectangle 31"/>
+          <p:cNvSpPr/>
+          <p:nvPr/>
+        </p:nvSpPr>
+        <p:spPr>
+          <a:xfrm>
+            <a:off x="2058351" y="6649727"/>
+            <a:ext cx="1532239" cy="556056"/>
+          </a:xfrm>
+          <a:prstGeom prst="rect">
+            <a:avLst/>
+          </a:prstGeom>
+          <a:solidFill>
+            <a:srgbClr val="F34141"/>
+          </a:solidFill>
+        </p:spPr>
+        <p:style>
+          <a:lnRef idx="2">
+            <a:schemeClr val="accent1">
+              <a:shade val="50000"/>
+            </a:schemeClr>
+          </a:lnRef>
+          <a:fillRef idx="1">
+            <a:schemeClr val="accent1"/>
+          </a:fillRef>
+          <a:effectRef idx="0">
+            <a:schemeClr val="accent1"/>
+          </a:effectRef>
+          <a:fontRef idx="minor">
+            <a:schemeClr val="lt1"/>
+          </a:fontRef>
+        </p:style>
+        <p:txBody>
+          <a:bodyPr rtlCol="0" anchor="ctr"/>
+          <a:lstStyle/>
+          <a:p>
+            <a:pPr algn="ctr"/>
+            <a:r>
+              <a:rPr lang="en-US" sz="1400" dirty="0">
+                <a:latin typeface="Times New Roman" panose="02020603050405020304" pitchFamily="18" charset="0"/>
+                <a:cs typeface="Times New Roman" panose="02020603050405020304" pitchFamily="18" charset="0"/>
+              </a:rPr>
+              <a:t>Tạo </a:t>
+            </a:r>
+            <a:r>
+              <a:rPr lang="en-US" sz="1400" dirty="0" err="1">
+                <a:latin typeface="Times New Roman" panose="02020603050405020304" pitchFamily="18" charset="0"/>
+                <a:cs typeface="Times New Roman" panose="02020603050405020304" pitchFamily="18" charset="0"/>
+              </a:rPr>
+              <a:t>phòng</a:t>
+            </a:r>
+            <a:r>
+              <a:rPr lang="en-US" sz="1400" dirty="0">
+                <a:latin typeface="Times New Roman" panose="02020603050405020304" pitchFamily="18" charset="0"/>
+                <a:cs typeface="Times New Roman" panose="02020603050405020304" pitchFamily="18" charset="0"/>
+              </a:rPr>
+              <a:t> ban</a:t>
+            </a:r>
+            <a:endParaRPr lang="vi-VN" sz="1400" dirty="0">
+              <a:latin typeface="Times New Roman" panose="02020603050405020304" pitchFamily="18" charset="0"/>
+              <a:cs typeface="Times New Roman" panose="02020603050405020304" pitchFamily="18" charset="0"/>
+            </a:endParaRPr>
+          </a:p>
+        </p:txBody>
+      </p:sp>
+      <p:sp>
+        <p:nvSpPr>
+          <p:cNvPr id="33" name="Rectangle 32"/>
+          <p:cNvSpPr/>
+          <p:nvPr/>
+        </p:nvSpPr>
+        <p:spPr>
+          <a:xfrm>
+            <a:off x="377832" y="6649727"/>
+            <a:ext cx="1532239" cy="556056"/>
+          </a:xfrm>
+          <a:prstGeom prst="rect">
+            <a:avLst/>
+          </a:prstGeom>
+          <a:solidFill>
+            <a:srgbClr val="F34141"/>
+          </a:solidFill>
+        </p:spPr>
+        <p:style>
+          <a:lnRef idx="2">
+            <a:schemeClr val="accent1">
+              <a:shade val="50000"/>
+            </a:schemeClr>
+          </a:lnRef>
+          <a:fillRef idx="1">
+            <a:schemeClr val="accent1"/>
+          </a:fillRef>
+          <a:effectRef idx="0">
+            <a:schemeClr val="accent1"/>
+          </a:effectRef>
+          <a:fontRef idx="minor">
+            <a:schemeClr val="lt1"/>
+          </a:fontRef>
+        </p:style>
+        <p:txBody>
+          <a:bodyPr rtlCol="0" anchor="ctr"/>
+          <a:lstStyle/>
+          <a:p>
+            <a:pPr algn="ctr"/>
+            <a:r>
+              <a:rPr lang="en-US" sz="1400" dirty="0" err="1">
+                <a:latin typeface="Times New Roman" panose="02020603050405020304" pitchFamily="18" charset="0"/>
+                <a:cs typeface="Times New Roman" panose="02020603050405020304" pitchFamily="18" charset="0"/>
+              </a:rPr>
+              <a:t>Có</a:t>
+            </a:r>
+            <a:r>
+              <a:rPr lang="en-US" sz="1400" dirty="0">
+                <a:latin typeface="Times New Roman" panose="02020603050405020304" pitchFamily="18" charset="0"/>
+                <a:cs typeface="Times New Roman" panose="02020603050405020304" pitchFamily="18" charset="0"/>
+              </a:rPr>
+              <a:t> </a:t>
+            </a:r>
+            <a:r>
+              <a:rPr lang="en-US" sz="1400" dirty="0" err="1">
+                <a:latin typeface="Times New Roman" panose="02020603050405020304" pitchFamily="18" charset="0"/>
+                <a:cs typeface="Times New Roman" panose="02020603050405020304" pitchFamily="18" charset="0"/>
+              </a:rPr>
+              <a:t>chức</a:t>
+            </a:r>
+            <a:r>
+              <a:rPr lang="en-US" sz="1400" dirty="0">
+                <a:latin typeface="Times New Roman" panose="02020603050405020304" pitchFamily="18" charset="0"/>
+                <a:cs typeface="Times New Roman" panose="02020603050405020304" pitchFamily="18" charset="0"/>
+              </a:rPr>
+              <a:t> </a:t>
+            </a:r>
+            <a:r>
+              <a:rPr lang="en-US" sz="1400" dirty="0" err="1">
+                <a:latin typeface="Times New Roman" panose="02020603050405020304" pitchFamily="18" charset="0"/>
+                <a:cs typeface="Times New Roman" panose="02020603050405020304" pitchFamily="18" charset="0"/>
+              </a:rPr>
+              <a:t>năng</a:t>
+            </a:r>
+            <a:r>
+              <a:rPr lang="en-US" sz="1400" dirty="0">
+                <a:latin typeface="Times New Roman" panose="02020603050405020304" pitchFamily="18" charset="0"/>
+                <a:cs typeface="Times New Roman" panose="02020603050405020304" pitchFamily="18" charset="0"/>
+              </a:rPr>
+              <a:t> </a:t>
+            </a:r>
+            <a:r>
+              <a:rPr lang="en-US" sz="1400" dirty="0" err="1">
+                <a:latin typeface="Times New Roman" panose="02020603050405020304" pitchFamily="18" charset="0"/>
+                <a:cs typeface="Times New Roman" panose="02020603050405020304" pitchFamily="18" charset="0"/>
+              </a:rPr>
+              <a:t>nh</a:t>
+            </a:r>
+            <a:r>
+              <a:rPr lang="vi-VN" sz="1400" dirty="0">
+                <a:latin typeface="Times New Roman" panose="02020603050405020304" pitchFamily="18" charset="0"/>
+                <a:cs typeface="Times New Roman" panose="02020603050405020304" pitchFamily="18" charset="0"/>
+              </a:rPr>
+              <a:t>ư</a:t>
+            </a:r>
+            <a:r>
+              <a:rPr lang="en-US" sz="1400" dirty="0">
+                <a:latin typeface="Times New Roman" panose="02020603050405020304" pitchFamily="18" charset="0"/>
+                <a:cs typeface="Times New Roman" panose="02020603050405020304" pitchFamily="18" charset="0"/>
+              </a:rPr>
+              <a:t> </a:t>
+            </a:r>
+            <a:r>
+              <a:rPr lang="en-US" sz="1400" dirty="0" err="1">
+                <a:latin typeface="Times New Roman" panose="02020603050405020304" pitchFamily="18" charset="0"/>
+                <a:cs typeface="Times New Roman" panose="02020603050405020304" pitchFamily="18" charset="0"/>
+              </a:rPr>
+              <a:t>phòng</a:t>
+            </a:r>
+            <a:r>
+              <a:rPr lang="en-US" sz="1400" dirty="0">
+                <a:latin typeface="Times New Roman" panose="02020603050405020304" pitchFamily="18" charset="0"/>
+                <a:cs typeface="Times New Roman" panose="02020603050405020304" pitchFamily="18" charset="0"/>
+              </a:rPr>
+              <a:t> ban</a:t>
+            </a:r>
+            <a:endParaRPr lang="vi-VN" sz="1400" dirty="0">
+              <a:latin typeface="Times New Roman" panose="02020603050405020304" pitchFamily="18" charset="0"/>
+              <a:cs typeface="Times New Roman" panose="02020603050405020304" pitchFamily="18" charset="0"/>
+            </a:endParaRPr>
+          </a:p>
+        </p:txBody>
+      </p:sp>
+      <p:cxnSp>
+        <p:nvCxnSpPr>
+          <p:cNvPr id="34" name="Straight Arrow Connector 33"/>
+          <p:cNvCxnSpPr>
+            <a:cxnSpLocks/>
+            <a:stCxn id="31" idx="4"/>
+            <a:endCxn id="33" idx="0"/>
+          </p:cNvCxnSpPr>
+          <p:nvPr/>
+        </p:nvCxnSpPr>
+        <p:spPr>
+          <a:xfrm flipH="1">
+            <a:off x="1143952" y="6390233"/>
+            <a:ext cx="840260" cy="259494"/>
+          </a:xfrm>
+          <a:prstGeom prst="straightConnector1">
+            <a:avLst/>
+          </a:prstGeom>
+          <a:ln>
+            <a:tailEnd type="triangle"/>
+          </a:ln>
+        </p:spPr>
+        <p:style>
+          <a:lnRef idx="1">
+            <a:schemeClr val="accent1"/>
+          </a:lnRef>
+          <a:fillRef idx="0">
+            <a:schemeClr val="accent1"/>
+          </a:fillRef>
+          <a:effectRef idx="0">
+            <a:schemeClr val="accent1"/>
+          </a:effectRef>
+          <a:fontRef idx="minor">
+            <a:schemeClr val="tx1"/>
+          </a:fontRef>
+        </p:style>
+      </p:cxnSp>
+      <p:cxnSp>
+        <p:nvCxnSpPr>
+          <p:cNvPr id="35" name="Straight Arrow Connector 34"/>
+          <p:cNvCxnSpPr>
+            <a:cxnSpLocks/>
+            <a:stCxn id="31" idx="4"/>
+            <a:endCxn id="32" idx="0"/>
+          </p:cNvCxnSpPr>
+          <p:nvPr/>
+        </p:nvCxnSpPr>
+        <p:spPr>
+          <a:xfrm>
+            <a:off x="1984212" y="6390233"/>
+            <a:ext cx="840259" cy="259494"/>
+          </a:xfrm>
+          <a:prstGeom prst="straightConnector1">
+            <a:avLst/>
+          </a:prstGeom>
+          <a:ln>
+            <a:tailEnd type="triangle"/>
+          </a:ln>
+        </p:spPr>
+        <p:style>
+          <a:lnRef idx="1">
+            <a:schemeClr val="accent1"/>
+          </a:lnRef>
+          <a:fillRef idx="0">
+            <a:schemeClr val="accent1"/>
+          </a:fillRef>
+          <a:effectRef idx="0">
+            <a:schemeClr val="accent1"/>
+          </a:effectRef>
+          <a:fontRef idx="minor">
+            <a:schemeClr val="tx1"/>
+          </a:fontRef>
+        </p:style>
+      </p:cxnSp>
+      <p:sp>
+        <p:nvSpPr>
+          <p:cNvPr id="88" name="Oval 87"/>
+          <p:cNvSpPr/>
+          <p:nvPr/>
+        </p:nvSpPr>
+        <p:spPr>
+          <a:xfrm>
+            <a:off x="1105226" y="7349436"/>
+            <a:ext cx="1743642" cy="499310"/>
+          </a:xfrm>
+          <a:prstGeom prst="ellipse">
+            <a:avLst/>
+          </a:prstGeom>
+          <a:solidFill>
+            <a:schemeClr val="accent6"/>
+          </a:solidFill>
+        </p:spPr>
+        <p:style>
+          <a:lnRef idx="2">
+            <a:schemeClr val="accent1">
+              <a:shade val="50000"/>
+            </a:schemeClr>
+          </a:lnRef>
+          <a:fillRef idx="1">
+            <a:schemeClr val="accent1"/>
+          </a:fillRef>
+          <a:effectRef idx="0">
+            <a:schemeClr val="accent1"/>
+          </a:effectRef>
+          <a:fontRef idx="minor">
+            <a:schemeClr val="lt1"/>
+          </a:fontRef>
+        </p:style>
+        <p:txBody>
+          <a:bodyPr rtlCol="0" anchor="ctr"/>
+          <a:lstStyle/>
+          <a:p>
+            <a:pPr algn="ctr"/>
+            <a:r>
+              <a:rPr lang="en-US" sz="1600" b="1" dirty="0">
+                <a:latin typeface="Times New Roman" panose="02020603050405020304" pitchFamily="18" charset="0"/>
+                <a:cs typeface="Times New Roman" panose="02020603050405020304" pitchFamily="18" charset="0"/>
+              </a:rPr>
+              <a:t>Phòng ban</a:t>
+            </a:r>
+            <a:endParaRPr lang="vi-VN" sz="1600" b="1" dirty="0">
+              <a:latin typeface="Times New Roman" panose="02020603050405020304" pitchFamily="18" charset="0"/>
+              <a:cs typeface="Times New Roman" panose="02020603050405020304" pitchFamily="18" charset="0"/>
+            </a:endParaRPr>
+          </a:p>
+        </p:txBody>
+      </p:sp>
+      <p:sp>
+        <p:nvSpPr>
+          <p:cNvPr id="89" name="Rectangle 88"/>
+          <p:cNvSpPr/>
+          <p:nvPr/>
+        </p:nvSpPr>
+        <p:spPr>
+          <a:xfrm>
+            <a:off x="2193619" y="8113981"/>
+            <a:ext cx="1247375" cy="456903"/>
+          </a:xfrm>
+          <a:prstGeom prst="rect">
+            <a:avLst/>
+          </a:prstGeom>
+          <a:solidFill>
+            <a:schemeClr val="accent6"/>
+          </a:solidFill>
+        </p:spPr>
+        <p:style>
+          <a:lnRef idx="2">
+            <a:schemeClr val="accent1">
+              <a:shade val="50000"/>
+            </a:schemeClr>
+          </a:lnRef>
+          <a:fillRef idx="1">
+            <a:schemeClr val="accent1"/>
+          </a:fillRef>
+          <a:effectRef idx="0">
+            <a:schemeClr val="accent1"/>
+          </a:effectRef>
+          <a:fontRef idx="minor">
+            <a:schemeClr val="lt1"/>
+          </a:fontRef>
+        </p:style>
+        <p:txBody>
+          <a:bodyPr rtlCol="0" anchor="ctr"/>
+          <a:lstStyle/>
+          <a:p>
+            <a:pPr algn="ctr"/>
+            <a:r>
+              <a:rPr lang="en-US" sz="1400" dirty="0">
+                <a:latin typeface="Times New Roman" panose="02020603050405020304" pitchFamily="18" charset="0"/>
+                <a:cs typeface="Times New Roman" panose="02020603050405020304" pitchFamily="18" charset="0"/>
+              </a:rPr>
+              <a:t>Nhận đ</a:t>
+            </a:r>
+            <a:r>
+              <a:rPr lang="vi-VN" sz="1400" dirty="0">
+                <a:latin typeface="Times New Roman" panose="02020603050405020304" pitchFamily="18" charset="0"/>
+                <a:cs typeface="Times New Roman" panose="02020603050405020304" pitchFamily="18" charset="0"/>
+              </a:rPr>
+              <a:t>ơ</a:t>
+            </a:r>
+            <a:r>
+              <a:rPr lang="en-US" sz="1400" dirty="0">
+                <a:latin typeface="Times New Roman" panose="02020603050405020304" pitchFamily="18" charset="0"/>
+                <a:cs typeface="Times New Roman" panose="02020603050405020304" pitchFamily="18" charset="0"/>
+              </a:rPr>
+              <a:t>n</a:t>
+            </a:r>
+            <a:endParaRPr lang="vi-VN" sz="1400" dirty="0">
+              <a:latin typeface="Times New Roman" panose="02020603050405020304" pitchFamily="18" charset="0"/>
+              <a:cs typeface="Times New Roman" panose="02020603050405020304" pitchFamily="18" charset="0"/>
+            </a:endParaRPr>
+          </a:p>
+        </p:txBody>
+      </p:sp>
+      <p:sp>
+        <p:nvSpPr>
+          <p:cNvPr id="90" name="Rectangle 89"/>
+          <p:cNvSpPr/>
+          <p:nvPr/>
+        </p:nvSpPr>
+        <p:spPr>
+          <a:xfrm>
+            <a:off x="513100" y="8113981"/>
+            <a:ext cx="1247375" cy="456903"/>
+          </a:xfrm>
+          <a:prstGeom prst="rect">
+            <a:avLst/>
+          </a:prstGeom>
+          <a:solidFill>
+            <a:schemeClr val="accent6"/>
+          </a:solidFill>
+        </p:spPr>
+        <p:style>
+          <a:lnRef idx="2">
+            <a:schemeClr val="accent1">
+              <a:shade val="50000"/>
+            </a:schemeClr>
+          </a:lnRef>
+          <a:fillRef idx="1">
+            <a:schemeClr val="accent1"/>
+          </a:fillRef>
+          <a:effectRef idx="0">
+            <a:schemeClr val="accent1"/>
+          </a:effectRef>
+          <a:fontRef idx="minor">
+            <a:schemeClr val="lt1"/>
+          </a:fontRef>
+        </p:style>
+        <p:txBody>
+          <a:bodyPr rtlCol="0" anchor="ctr"/>
+          <a:lstStyle/>
+          <a:p>
+            <a:pPr algn="ctr"/>
+            <a:r>
+              <a:rPr lang="en-US" sz="1400" dirty="0">
+                <a:latin typeface="Times New Roman" panose="02020603050405020304" pitchFamily="18" charset="0"/>
+                <a:cs typeface="Times New Roman" panose="02020603050405020304" pitchFamily="18" charset="0"/>
+              </a:rPr>
+              <a:t>Tạo đ</a:t>
+            </a:r>
+            <a:r>
+              <a:rPr lang="vi-VN" sz="1400" dirty="0">
+                <a:latin typeface="Times New Roman" panose="02020603050405020304" pitchFamily="18" charset="0"/>
+                <a:cs typeface="Times New Roman" panose="02020603050405020304" pitchFamily="18" charset="0"/>
+              </a:rPr>
+              <a:t>ơ</a:t>
+            </a:r>
+            <a:r>
+              <a:rPr lang="en-US" sz="1400" dirty="0">
+                <a:latin typeface="Times New Roman" panose="02020603050405020304" pitchFamily="18" charset="0"/>
+                <a:cs typeface="Times New Roman" panose="02020603050405020304" pitchFamily="18" charset="0"/>
+              </a:rPr>
+              <a:t>n</a:t>
+            </a:r>
+            <a:endParaRPr lang="vi-VN" sz="1400" dirty="0">
+              <a:latin typeface="Times New Roman" panose="02020603050405020304" pitchFamily="18" charset="0"/>
+              <a:cs typeface="Times New Roman" panose="02020603050405020304" pitchFamily="18" charset="0"/>
+            </a:endParaRPr>
+          </a:p>
+        </p:txBody>
+      </p:sp>
+      <p:cxnSp>
+        <p:nvCxnSpPr>
+          <p:cNvPr id="91" name="Straight Arrow Connector 90"/>
+          <p:cNvCxnSpPr>
+            <a:cxnSpLocks/>
+            <a:stCxn id="88" idx="4"/>
+            <a:endCxn id="90" idx="0"/>
+          </p:cNvCxnSpPr>
+          <p:nvPr/>
+        </p:nvCxnSpPr>
+        <p:spPr>
+          <a:xfrm flipH="1">
+            <a:off x="1136788" y="7848746"/>
+            <a:ext cx="840259" cy="265235"/>
+          </a:xfrm>
+          <a:prstGeom prst="straightConnector1">
+            <a:avLst/>
+          </a:prstGeom>
+          <a:ln>
+            <a:tailEnd type="triangle"/>
+          </a:ln>
+        </p:spPr>
+        <p:style>
+          <a:lnRef idx="1">
+            <a:schemeClr val="accent1"/>
+          </a:lnRef>
+          <a:fillRef idx="0">
+            <a:schemeClr val="accent1"/>
+          </a:fillRef>
+          <a:effectRef idx="0">
+            <a:schemeClr val="accent1"/>
+          </a:effectRef>
+          <a:fontRef idx="minor">
+            <a:schemeClr val="tx1"/>
+          </a:fontRef>
+        </p:style>
+      </p:cxnSp>
+      <p:cxnSp>
+        <p:nvCxnSpPr>
+          <p:cNvPr id="92" name="Straight Arrow Connector 91"/>
+          <p:cNvCxnSpPr>
+            <a:cxnSpLocks/>
+            <a:stCxn id="88" idx="4"/>
+            <a:endCxn id="89" idx="0"/>
+          </p:cNvCxnSpPr>
+          <p:nvPr/>
+        </p:nvCxnSpPr>
+        <p:spPr>
+          <a:xfrm>
+            <a:off x="1977047" y="7848746"/>
+            <a:ext cx="840260" cy="265235"/>
+          </a:xfrm>
+          <a:prstGeom prst="straightConnector1">
+            <a:avLst/>
+          </a:prstGeom>
+          <a:ln>
+            <a:tailEnd type="triangle"/>
+          </a:ln>
+        </p:spPr>
+        <p:style>
+          <a:lnRef idx="1">
+            <a:schemeClr val="accent1"/>
+          </a:lnRef>
+          <a:fillRef idx="0">
+            <a:schemeClr val="accent1"/>
+          </a:fillRef>
+          <a:effectRef idx="0">
+            <a:schemeClr val="accent1"/>
+          </a:effectRef>
+          <a:fontRef idx="minor">
+            <a:schemeClr val="tx1"/>
+          </a:fontRef>
+        </p:style>
+      </p:cxnSp>
+      <p:sp>
+        <p:nvSpPr>
+          <p:cNvPr id="93" name="Rectangle 92"/>
+          <p:cNvSpPr/>
+          <p:nvPr/>
+        </p:nvSpPr>
+        <p:spPr>
+          <a:xfrm>
+            <a:off x="513100" y="8911768"/>
+            <a:ext cx="1247375" cy="496737"/>
+          </a:xfrm>
+          <a:prstGeom prst="rect">
+            <a:avLst/>
+          </a:prstGeom>
+          <a:solidFill>
+            <a:schemeClr val="accent6"/>
+          </a:solidFill>
+        </p:spPr>
+        <p:style>
+          <a:lnRef idx="2">
+            <a:schemeClr val="accent1">
+              <a:shade val="50000"/>
+            </a:schemeClr>
+          </a:lnRef>
+          <a:fillRef idx="1">
+            <a:schemeClr val="accent1"/>
+          </a:fillRef>
+          <a:effectRef idx="0">
+            <a:schemeClr val="accent1"/>
+          </a:effectRef>
+          <a:fontRef idx="minor">
+            <a:schemeClr val="lt1"/>
+          </a:fontRef>
+        </p:style>
+        <p:txBody>
+          <a:bodyPr rtlCol="0" anchor="ctr"/>
+          <a:lstStyle/>
+          <a:p>
+            <a:pPr algn="ctr"/>
+            <a:r>
+              <a:rPr lang="en-US" sz="1400" dirty="0">
+                <a:latin typeface="Times New Roman" panose="02020603050405020304" pitchFamily="18" charset="0"/>
+                <a:cs typeface="Times New Roman" panose="02020603050405020304" pitchFamily="18" charset="0"/>
+              </a:rPr>
+              <a:t>Quy định thời gian </a:t>
+            </a:r>
+            <a:endParaRPr lang="vi-VN" sz="1400" dirty="0">
+              <a:latin typeface="Times New Roman" panose="02020603050405020304" pitchFamily="18" charset="0"/>
+              <a:cs typeface="Times New Roman" panose="02020603050405020304" pitchFamily="18" charset="0"/>
+            </a:endParaRPr>
+          </a:p>
+        </p:txBody>
+      </p:sp>
+      <p:sp>
+        <p:nvSpPr>
+          <p:cNvPr id="94" name="Rectangle 93"/>
+          <p:cNvSpPr/>
+          <p:nvPr/>
+        </p:nvSpPr>
+        <p:spPr>
+          <a:xfrm>
+            <a:off x="2193618" y="8911767"/>
+            <a:ext cx="1247375" cy="496737"/>
+          </a:xfrm>
+          <a:prstGeom prst="rect">
+            <a:avLst/>
+          </a:prstGeom>
+          <a:solidFill>
+            <a:schemeClr val="accent6"/>
+          </a:solidFill>
+        </p:spPr>
+        <p:style>
+          <a:lnRef idx="2">
+            <a:schemeClr val="accent1">
+              <a:shade val="50000"/>
+            </a:schemeClr>
+          </a:lnRef>
+          <a:fillRef idx="1">
+            <a:schemeClr val="accent1"/>
+          </a:fillRef>
+          <a:effectRef idx="0">
+            <a:schemeClr val="accent1"/>
+          </a:effectRef>
+          <a:fontRef idx="minor">
+            <a:schemeClr val="lt1"/>
+          </a:fontRef>
+        </p:style>
+        <p:txBody>
+          <a:bodyPr rtlCol="0" anchor="ctr"/>
+          <a:lstStyle/>
+          <a:p>
+            <a:pPr algn="ctr"/>
+            <a:r>
+              <a:rPr lang="en-US" sz="1400" dirty="0">
+                <a:latin typeface="Times New Roman" panose="02020603050405020304" pitchFamily="18" charset="0"/>
+                <a:cs typeface="Times New Roman" panose="02020603050405020304" pitchFamily="18" charset="0"/>
+              </a:rPr>
+              <a:t>Hẹn thời gian xử lý</a:t>
+            </a:r>
+            <a:endParaRPr lang="vi-VN" sz="1400" dirty="0">
+              <a:latin typeface="Times New Roman" panose="02020603050405020304" pitchFamily="18" charset="0"/>
+              <a:cs typeface="Times New Roman" panose="02020603050405020304" pitchFamily="18" charset="0"/>
+            </a:endParaRPr>
+          </a:p>
+        </p:txBody>
+      </p:sp>
+      <p:sp>
+        <p:nvSpPr>
+          <p:cNvPr id="95" name="Rectangle 94"/>
+          <p:cNvSpPr/>
+          <p:nvPr/>
+        </p:nvSpPr>
+        <p:spPr>
+          <a:xfrm>
+            <a:off x="3055131" y="10690854"/>
+            <a:ext cx="1247375" cy="492658"/>
+          </a:xfrm>
+          <a:prstGeom prst="rect">
+            <a:avLst/>
+          </a:prstGeom>
+          <a:solidFill>
+            <a:schemeClr val="accent6"/>
+          </a:solidFill>
+        </p:spPr>
+        <p:style>
+          <a:lnRef idx="2">
+            <a:schemeClr val="accent1">
+              <a:shade val="50000"/>
+            </a:schemeClr>
+          </a:lnRef>
+          <a:fillRef idx="1">
+            <a:schemeClr val="accent1"/>
+          </a:fillRef>
+          <a:effectRef idx="0">
+            <a:schemeClr val="accent1"/>
+          </a:effectRef>
+          <a:fontRef idx="minor">
+            <a:schemeClr val="lt1"/>
+          </a:fontRef>
+        </p:style>
+        <p:txBody>
+          <a:bodyPr rtlCol="0" anchor="ctr"/>
+          <a:lstStyle/>
+          <a:p>
+            <a:pPr algn="ctr"/>
+            <a:r>
+              <a:rPr lang="en-US" sz="1400" dirty="0">
+                <a:latin typeface="Times New Roman" panose="02020603050405020304" pitchFamily="18" charset="0"/>
+                <a:cs typeface="Times New Roman" panose="02020603050405020304" pitchFamily="18" charset="0"/>
+              </a:rPr>
+              <a:t>Chuyển đ</a:t>
+            </a:r>
+            <a:r>
+              <a:rPr lang="vi-VN" sz="1400" dirty="0">
+                <a:latin typeface="Times New Roman" panose="02020603050405020304" pitchFamily="18" charset="0"/>
+                <a:cs typeface="Times New Roman" panose="02020603050405020304" pitchFamily="18" charset="0"/>
+              </a:rPr>
+              <a:t>ơ</a:t>
+            </a:r>
+            <a:r>
+              <a:rPr lang="en-US" sz="1400" dirty="0">
+                <a:latin typeface="Times New Roman" panose="02020603050405020304" pitchFamily="18" charset="0"/>
+                <a:cs typeface="Times New Roman" panose="02020603050405020304" pitchFamily="18" charset="0"/>
+              </a:rPr>
+              <a:t>n</a:t>
+            </a:r>
+            <a:endParaRPr lang="vi-VN" sz="1400" dirty="0">
+              <a:latin typeface="Times New Roman" panose="02020603050405020304" pitchFamily="18" charset="0"/>
+              <a:cs typeface="Times New Roman" panose="02020603050405020304" pitchFamily="18" charset="0"/>
+            </a:endParaRPr>
+          </a:p>
+        </p:txBody>
+      </p:sp>
+      <p:sp>
+        <p:nvSpPr>
+          <p:cNvPr id="96" name="Rectangle 95"/>
+          <p:cNvSpPr/>
+          <p:nvPr/>
+        </p:nvSpPr>
+        <p:spPr>
+          <a:xfrm>
+            <a:off x="1353359" y="10690854"/>
+            <a:ext cx="1247375" cy="492658"/>
+          </a:xfrm>
+          <a:prstGeom prst="rect">
+            <a:avLst/>
+          </a:prstGeom>
+          <a:solidFill>
+            <a:schemeClr val="accent6"/>
+          </a:solidFill>
+        </p:spPr>
+        <p:style>
+          <a:lnRef idx="2">
+            <a:schemeClr val="accent1">
+              <a:shade val="50000"/>
+            </a:schemeClr>
+          </a:lnRef>
+          <a:fillRef idx="1">
+            <a:schemeClr val="accent1"/>
+          </a:fillRef>
+          <a:effectRef idx="0">
+            <a:schemeClr val="accent1"/>
+          </a:effectRef>
+          <a:fontRef idx="minor">
+            <a:schemeClr val="lt1"/>
+          </a:fontRef>
+        </p:style>
+        <p:txBody>
+          <a:bodyPr rtlCol="0" anchor="ctr"/>
+          <a:lstStyle/>
+          <a:p>
+            <a:pPr algn="ctr"/>
+            <a:r>
+              <a:rPr lang="en-US" sz="1400" dirty="0">
+                <a:latin typeface="Times New Roman" panose="02020603050405020304" pitchFamily="18" charset="0"/>
+                <a:cs typeface="Times New Roman" panose="02020603050405020304" pitchFamily="18" charset="0"/>
+              </a:rPr>
+              <a:t>Trả kết quả</a:t>
+            </a:r>
+            <a:endParaRPr lang="vi-VN" sz="1400" dirty="0">
+              <a:latin typeface="Times New Roman" panose="02020603050405020304" pitchFamily="18" charset="0"/>
+              <a:cs typeface="Times New Roman" panose="02020603050405020304" pitchFamily="18" charset="0"/>
+            </a:endParaRPr>
+          </a:p>
+        </p:txBody>
+      </p:sp>
+      <p:sp>
+        <p:nvSpPr>
+          <p:cNvPr id="97" name="Flowchart: Decision 96"/>
+          <p:cNvSpPr/>
+          <p:nvPr/>
+        </p:nvSpPr>
+        <p:spPr>
+          <a:xfrm>
+            <a:off x="2193618" y="9575766"/>
+            <a:ext cx="1247375" cy="542439"/>
+          </a:xfrm>
+          <a:prstGeom prst="flowChartDecision">
+            <a:avLst/>
+          </a:prstGeom>
+          <a:solidFill>
+            <a:schemeClr val="accent6"/>
+          </a:solidFill>
+        </p:spPr>
+        <p:style>
+          <a:lnRef idx="2">
+            <a:schemeClr val="accent1">
+              <a:shade val="50000"/>
+            </a:schemeClr>
+          </a:lnRef>
+          <a:fillRef idx="1">
+            <a:schemeClr val="accent1"/>
+          </a:fillRef>
+          <a:effectRef idx="0">
+            <a:schemeClr val="accent1"/>
+          </a:effectRef>
+          <a:fontRef idx="minor">
+            <a:schemeClr val="lt1"/>
+          </a:fontRef>
+        </p:style>
+        <p:txBody>
+          <a:bodyPr rtlCol="0" anchor="ctr"/>
+          <a:lstStyle/>
+          <a:p>
+            <a:pPr algn="ctr"/>
+            <a:r>
+              <a:rPr lang="en-US" sz="1400" dirty="0">
+                <a:latin typeface="Times New Roman" panose="02020603050405020304" pitchFamily="18" charset="0"/>
+                <a:cs typeface="Times New Roman" panose="02020603050405020304" pitchFamily="18" charset="0"/>
+              </a:rPr>
+              <a:t>Xử lý</a:t>
+            </a:r>
+            <a:endParaRPr lang="vi-VN" sz="1400" dirty="0">
+              <a:latin typeface="Times New Roman" panose="02020603050405020304" pitchFamily="18" charset="0"/>
+              <a:cs typeface="Times New Roman" panose="02020603050405020304" pitchFamily="18" charset="0"/>
+            </a:endParaRPr>
+          </a:p>
+        </p:txBody>
+      </p:sp>
+      <p:cxnSp>
+        <p:nvCxnSpPr>
+          <p:cNvPr id="98" name="Straight Arrow Connector 97"/>
+          <p:cNvCxnSpPr>
+            <a:cxnSpLocks/>
+            <a:stCxn id="90" idx="2"/>
+            <a:endCxn id="93" idx="0"/>
+          </p:cNvCxnSpPr>
+          <p:nvPr/>
+        </p:nvCxnSpPr>
+        <p:spPr>
+          <a:xfrm>
+            <a:off x="1136788" y="8570884"/>
+            <a:ext cx="0" cy="340884"/>
+          </a:xfrm>
+          <a:prstGeom prst="straightConnector1">
+            <a:avLst/>
+          </a:prstGeom>
+          <a:ln>
+            <a:tailEnd type="triangle"/>
+          </a:ln>
+        </p:spPr>
+        <p:style>
+          <a:lnRef idx="1">
+            <a:schemeClr val="accent1"/>
+          </a:lnRef>
+          <a:fillRef idx="0">
+            <a:schemeClr val="accent1"/>
+          </a:fillRef>
+          <a:effectRef idx="0">
+            <a:schemeClr val="accent1"/>
+          </a:effectRef>
+          <a:fontRef idx="minor">
+            <a:schemeClr val="tx1"/>
+          </a:fontRef>
+        </p:style>
+      </p:cxnSp>
+      <p:cxnSp>
+        <p:nvCxnSpPr>
+          <p:cNvPr id="99" name="Straight Arrow Connector 98"/>
+          <p:cNvCxnSpPr>
+            <a:cxnSpLocks/>
+            <a:stCxn id="89" idx="2"/>
+            <a:endCxn id="94" idx="0"/>
+          </p:cNvCxnSpPr>
+          <p:nvPr/>
+        </p:nvCxnSpPr>
+        <p:spPr>
+          <a:xfrm flipH="1">
+            <a:off x="2817306" y="8570884"/>
+            <a:ext cx="1" cy="340883"/>
+          </a:xfrm>
+          <a:prstGeom prst="straightConnector1">
+            <a:avLst/>
+          </a:prstGeom>
+          <a:ln>
+            <a:tailEnd type="triangle"/>
+          </a:ln>
+        </p:spPr>
+        <p:style>
+          <a:lnRef idx="1">
+            <a:schemeClr val="accent1"/>
+          </a:lnRef>
+          <a:fillRef idx="0">
+            <a:schemeClr val="accent1"/>
+          </a:fillRef>
+          <a:effectRef idx="0">
+            <a:schemeClr val="accent1"/>
+          </a:effectRef>
+          <a:fontRef idx="minor">
+            <a:schemeClr val="tx1"/>
+          </a:fontRef>
+        </p:style>
+      </p:cxnSp>
+      <p:cxnSp>
+        <p:nvCxnSpPr>
+          <p:cNvPr id="100" name="Straight Arrow Connector 99"/>
+          <p:cNvCxnSpPr>
+            <a:cxnSpLocks/>
+            <a:stCxn id="97" idx="1"/>
+            <a:endCxn id="96" idx="0"/>
+          </p:cNvCxnSpPr>
+          <p:nvPr/>
+        </p:nvCxnSpPr>
+        <p:spPr>
+          <a:xfrm flipH="1">
+            <a:off x="1977047" y="9846986"/>
+            <a:ext cx="216571" cy="843868"/>
+          </a:xfrm>
+          <a:prstGeom prst="straightConnector1">
+            <a:avLst/>
+          </a:prstGeom>
+          <a:ln>
+            <a:tailEnd type="triangle"/>
+          </a:ln>
+        </p:spPr>
+        <p:style>
+          <a:lnRef idx="1">
+            <a:schemeClr val="accent1"/>
+          </a:lnRef>
+          <a:fillRef idx="0">
+            <a:schemeClr val="accent1"/>
+          </a:fillRef>
+          <a:effectRef idx="0">
+            <a:schemeClr val="accent1"/>
+          </a:effectRef>
+          <a:fontRef idx="minor">
+            <a:schemeClr val="tx1"/>
+          </a:fontRef>
+        </p:style>
+      </p:cxnSp>
+      <p:cxnSp>
+        <p:nvCxnSpPr>
+          <p:cNvPr id="101" name="Straight Arrow Connector 100"/>
+          <p:cNvCxnSpPr>
+            <a:cxnSpLocks/>
+            <a:stCxn id="97" idx="3"/>
+            <a:endCxn id="95" idx="0"/>
+          </p:cNvCxnSpPr>
+          <p:nvPr/>
+        </p:nvCxnSpPr>
+        <p:spPr>
+          <a:xfrm>
+            <a:off x="3440993" y="9846986"/>
+            <a:ext cx="237826" cy="843868"/>
+          </a:xfrm>
+          <a:prstGeom prst="straightConnector1">
+            <a:avLst/>
+          </a:prstGeom>
+          <a:ln>
+            <a:tailEnd type="triangle"/>
+          </a:ln>
+        </p:spPr>
+        <p:style>
+          <a:lnRef idx="1">
+            <a:schemeClr val="accent1"/>
+          </a:lnRef>
+          <a:fillRef idx="0">
+            <a:schemeClr val="accent1"/>
+          </a:fillRef>
+          <a:effectRef idx="0">
+            <a:schemeClr val="accent1"/>
+          </a:effectRef>
+          <a:fontRef idx="minor">
+            <a:schemeClr val="tx1"/>
+          </a:fontRef>
+        </p:style>
+      </p:cxnSp>
+      <p:cxnSp>
+        <p:nvCxnSpPr>
+          <p:cNvPr id="102" name="Straight Arrow Connector 101"/>
+          <p:cNvCxnSpPr>
+            <a:cxnSpLocks/>
+            <a:stCxn id="94" idx="2"/>
+            <a:endCxn id="97" idx="0"/>
+          </p:cNvCxnSpPr>
+          <p:nvPr/>
+        </p:nvCxnSpPr>
+        <p:spPr>
+          <a:xfrm>
+            <a:off x="2817306" y="9408504"/>
+            <a:ext cx="0" cy="167262"/>
+          </a:xfrm>
+          <a:prstGeom prst="straightConnector1">
+            <a:avLst/>
+          </a:prstGeom>
+          <a:ln>
+            <a:tailEnd type="triangle"/>
+          </a:ln>
+        </p:spPr>
+        <p:style>
+          <a:lnRef idx="1">
+            <a:schemeClr val="accent1"/>
+          </a:lnRef>
+          <a:fillRef idx="0">
+            <a:schemeClr val="accent1"/>
+          </a:fillRef>
+          <a:effectRef idx="0">
+            <a:schemeClr val="accent1"/>
+          </a:effectRef>
+          <a:fontRef idx="minor">
+            <a:schemeClr val="tx1"/>
+          </a:fontRef>
+        </p:style>
+      </p:cxnSp>
+      <p:sp>
+        <p:nvSpPr>
+          <p:cNvPr id="103" name="TextBox 102"/>
+          <p:cNvSpPr txBox="1"/>
+          <p:nvPr/>
+        </p:nvSpPr>
+        <p:spPr>
+          <a:xfrm rot="4420920">
+            <a:off x="3271373" y="10060233"/>
+            <a:ext cx="935532" cy="347434"/>
           </a:xfrm>
           <a:prstGeom prst="rect">
             <a:avLst/>
@@ -3704,25 +4810,3430 @@
           <a:lstStyle/>
           <a:p>
             <a:r>
-              <a:rPr lang="en-US" b="1" dirty="0" err="1"/>
-              <a:t>Giải</a:t>
-            </a:r>
-            <a:r>
-              <a:rPr lang="en-US" b="1" dirty="0"/>
+              <a:rPr lang="en-US" sz="1600" dirty="0">
+                <a:latin typeface="Times New Roman" panose="02020603050405020304" pitchFamily="18" charset="0"/>
+                <a:cs typeface="Times New Roman" panose="02020603050405020304" pitchFamily="18" charset="0"/>
+              </a:rPr>
+              <a:t>Thất bại</a:t>
+            </a:r>
+            <a:endParaRPr lang="vi-VN" sz="1600" dirty="0">
+              <a:latin typeface="Times New Roman" panose="02020603050405020304" pitchFamily="18" charset="0"/>
+              <a:cs typeface="Times New Roman" panose="02020603050405020304" pitchFamily="18" charset="0"/>
+            </a:endParaRPr>
+          </a:p>
+        </p:txBody>
+      </p:sp>
+      <p:sp>
+        <p:nvSpPr>
+          <p:cNvPr id="104" name="TextBox 103"/>
+          <p:cNvSpPr txBox="1"/>
+          <p:nvPr/>
+        </p:nvSpPr>
+        <p:spPr>
+          <a:xfrm rot="17021983">
+            <a:off x="1412855" y="10074964"/>
+            <a:ext cx="1075715" cy="317973"/>
+          </a:xfrm>
+          <a:prstGeom prst="rect">
+            <a:avLst/>
+          </a:prstGeom>
+          <a:noFill/>
+        </p:spPr>
+        <p:txBody>
+          <a:bodyPr wrap="square" rtlCol="0">
+            <a:spAutoFit/>
+          </a:bodyPr>
+          <a:lstStyle/>
+          <a:p>
+            <a:r>
+              <a:rPr lang="en-US" sz="1400" dirty="0">
+                <a:latin typeface="Times New Roman" panose="02020603050405020304" pitchFamily="18" charset="0"/>
+                <a:cs typeface="Times New Roman" panose="02020603050405020304" pitchFamily="18" charset="0"/>
+              </a:rPr>
+              <a:t>Thành công</a:t>
+            </a:r>
+            <a:endParaRPr lang="vi-VN" sz="1400" dirty="0">
+              <a:latin typeface="Times New Roman" panose="02020603050405020304" pitchFamily="18" charset="0"/>
+              <a:cs typeface="Times New Roman" panose="02020603050405020304" pitchFamily="18" charset="0"/>
+            </a:endParaRPr>
+          </a:p>
+        </p:txBody>
+      </p:sp>
+      <p:sp>
+        <p:nvSpPr>
+          <p:cNvPr id="127" name="Oval 126"/>
+          <p:cNvSpPr/>
+          <p:nvPr/>
+        </p:nvSpPr>
+        <p:spPr>
+          <a:xfrm>
+            <a:off x="5613402" y="6163645"/>
+            <a:ext cx="1680891" cy="447690"/>
+          </a:xfrm>
+          <a:prstGeom prst="ellipse">
+            <a:avLst/>
+          </a:prstGeom>
+        </p:spPr>
+        <p:style>
+          <a:lnRef idx="2">
+            <a:schemeClr val="accent1">
+              <a:shade val="50000"/>
+            </a:schemeClr>
+          </a:lnRef>
+          <a:fillRef idx="1">
+            <a:schemeClr val="accent1"/>
+          </a:fillRef>
+          <a:effectRef idx="0">
+            <a:schemeClr val="accent1"/>
+          </a:effectRef>
+          <a:fontRef idx="minor">
+            <a:schemeClr val="lt1"/>
+          </a:fontRef>
+        </p:style>
+        <p:txBody>
+          <a:bodyPr rtlCol="0" anchor="ctr"/>
+          <a:lstStyle/>
+          <a:p>
+            <a:pPr algn="ctr"/>
+            <a:r>
+              <a:rPr lang="en-US" sz="1400" dirty="0" err="1">
+                <a:latin typeface="Times New Roman" panose="02020603050405020304" pitchFamily="18" charset="0"/>
+                <a:cs typeface="Times New Roman" panose="02020603050405020304" pitchFamily="18" charset="0"/>
+              </a:rPr>
+              <a:t>Sinh</a:t>
+            </a:r>
+            <a:r>
+              <a:rPr lang="en-US" sz="1400" dirty="0">
+                <a:latin typeface="Times New Roman" panose="02020603050405020304" pitchFamily="18" charset="0"/>
+                <a:cs typeface="Times New Roman" panose="02020603050405020304" pitchFamily="18" charset="0"/>
+              </a:rPr>
               <a:t> </a:t>
             </a:r>
             <a:r>
-              <a:rPr lang="en-US" b="1"/>
-              <a:t>pháp</a:t>
-            </a:r>
-            <a:endParaRPr lang="vi-VN" b="1" dirty="0"/>
-          </a:p>
-        </p:txBody>
-      </p:sp>
+              <a:rPr lang="en-US" sz="1400" dirty="0" err="1">
+                <a:latin typeface="Times New Roman" panose="02020603050405020304" pitchFamily="18" charset="0"/>
+                <a:cs typeface="Times New Roman" panose="02020603050405020304" pitchFamily="18" charset="0"/>
+              </a:rPr>
+              <a:t>viên</a:t>
+            </a:r>
+            <a:endParaRPr lang="vi-VN" sz="1400" dirty="0">
+              <a:latin typeface="Times New Roman" panose="02020603050405020304" pitchFamily="18" charset="0"/>
+              <a:cs typeface="Times New Roman" panose="02020603050405020304" pitchFamily="18" charset="0"/>
+            </a:endParaRPr>
+          </a:p>
+        </p:txBody>
+      </p:sp>
+      <p:sp>
+        <p:nvSpPr>
+          <p:cNvPr id="128" name="Rectangle 127"/>
+          <p:cNvSpPr/>
+          <p:nvPr/>
+        </p:nvSpPr>
+        <p:spPr>
+          <a:xfrm>
+            <a:off x="5613403" y="6973440"/>
+            <a:ext cx="1680894" cy="484976"/>
+          </a:xfrm>
+          <a:prstGeom prst="rect">
+            <a:avLst/>
+          </a:prstGeom>
+        </p:spPr>
+        <p:style>
+          <a:lnRef idx="2">
+            <a:schemeClr val="accent1">
+              <a:shade val="50000"/>
+            </a:schemeClr>
+          </a:lnRef>
+          <a:fillRef idx="1">
+            <a:schemeClr val="accent1"/>
+          </a:fillRef>
+          <a:effectRef idx="0">
+            <a:schemeClr val="accent1"/>
+          </a:effectRef>
+          <a:fontRef idx="minor">
+            <a:schemeClr val="lt1"/>
+          </a:fontRef>
+        </p:style>
+        <p:txBody>
+          <a:bodyPr rtlCol="0" anchor="ctr"/>
+          <a:lstStyle/>
+          <a:p>
+            <a:pPr algn="ctr"/>
+            <a:r>
+              <a:rPr lang="en-US" sz="1400" dirty="0" err="1">
+                <a:latin typeface="Times New Roman" panose="02020603050405020304" pitchFamily="18" charset="0"/>
+                <a:cs typeface="Times New Roman" panose="02020603050405020304" pitchFamily="18" charset="0"/>
+              </a:rPr>
+              <a:t>Tìm</a:t>
+            </a:r>
+            <a:r>
+              <a:rPr lang="en-US" sz="1400" dirty="0">
+                <a:latin typeface="Times New Roman" panose="02020603050405020304" pitchFamily="18" charset="0"/>
+                <a:cs typeface="Times New Roman" panose="02020603050405020304" pitchFamily="18" charset="0"/>
+              </a:rPr>
+              <a:t> </a:t>
+            </a:r>
+            <a:r>
+              <a:rPr lang="en-US" sz="1400" dirty="0" err="1">
+                <a:latin typeface="Times New Roman" panose="02020603050405020304" pitchFamily="18" charset="0"/>
+                <a:cs typeface="Times New Roman" panose="02020603050405020304" pitchFamily="18" charset="0"/>
+              </a:rPr>
+              <a:t>kiếm</a:t>
+            </a:r>
+            <a:r>
+              <a:rPr lang="en-US" sz="1400" dirty="0">
+                <a:latin typeface="Times New Roman" panose="02020603050405020304" pitchFamily="18" charset="0"/>
+                <a:cs typeface="Times New Roman" panose="02020603050405020304" pitchFamily="18" charset="0"/>
+              </a:rPr>
+              <a:t> đ</a:t>
+            </a:r>
+            <a:r>
+              <a:rPr lang="vi-VN" sz="1400" dirty="0">
+                <a:latin typeface="Times New Roman" panose="02020603050405020304" pitchFamily="18" charset="0"/>
+                <a:cs typeface="Times New Roman" panose="02020603050405020304" pitchFamily="18" charset="0"/>
+              </a:rPr>
+              <a:t>ơ</a:t>
+            </a:r>
+            <a:r>
+              <a:rPr lang="en-US" sz="1400" dirty="0">
+                <a:latin typeface="Times New Roman" panose="02020603050405020304" pitchFamily="18" charset="0"/>
+                <a:cs typeface="Times New Roman" panose="02020603050405020304" pitchFamily="18" charset="0"/>
+              </a:rPr>
+              <a:t>n</a:t>
+            </a:r>
+            <a:endParaRPr lang="vi-VN" sz="1400" dirty="0">
+              <a:latin typeface="Times New Roman" panose="02020603050405020304" pitchFamily="18" charset="0"/>
+              <a:cs typeface="Times New Roman" panose="02020603050405020304" pitchFamily="18" charset="0"/>
+            </a:endParaRPr>
+          </a:p>
+        </p:txBody>
+      </p:sp>
+      <p:sp>
+        <p:nvSpPr>
+          <p:cNvPr id="129" name="Rectangle 128"/>
+          <p:cNvSpPr/>
+          <p:nvPr/>
+        </p:nvSpPr>
+        <p:spPr>
+          <a:xfrm>
+            <a:off x="5620661" y="7790491"/>
+            <a:ext cx="1680893" cy="446688"/>
+          </a:xfrm>
+          <a:prstGeom prst="rect">
+            <a:avLst/>
+          </a:prstGeom>
+        </p:spPr>
+        <p:style>
+          <a:lnRef idx="2">
+            <a:schemeClr val="accent1">
+              <a:shade val="50000"/>
+            </a:schemeClr>
+          </a:lnRef>
+          <a:fillRef idx="1">
+            <a:schemeClr val="accent1"/>
+          </a:fillRef>
+          <a:effectRef idx="0">
+            <a:schemeClr val="accent1"/>
+          </a:effectRef>
+          <a:fontRef idx="minor">
+            <a:schemeClr val="lt1"/>
+          </a:fontRef>
+        </p:style>
+        <p:txBody>
+          <a:bodyPr rtlCol="0" anchor="ctr"/>
+          <a:lstStyle/>
+          <a:p>
+            <a:pPr algn="ctr"/>
+            <a:r>
+              <a:rPr lang="en-US" sz="1400" dirty="0" err="1">
+                <a:latin typeface="Times New Roman" panose="02020603050405020304" pitchFamily="18" charset="0"/>
+                <a:cs typeface="Times New Roman" panose="02020603050405020304" pitchFamily="18" charset="0"/>
+              </a:rPr>
+              <a:t>Điền</a:t>
+            </a:r>
+            <a:r>
+              <a:rPr lang="en-US" sz="1400" dirty="0">
+                <a:latin typeface="Times New Roman" panose="02020603050405020304" pitchFamily="18" charset="0"/>
+                <a:cs typeface="Times New Roman" panose="02020603050405020304" pitchFamily="18" charset="0"/>
+              </a:rPr>
+              <a:t> đ</a:t>
+            </a:r>
+            <a:r>
+              <a:rPr lang="vi-VN" sz="1400" dirty="0">
+                <a:latin typeface="Times New Roman" panose="02020603050405020304" pitchFamily="18" charset="0"/>
+                <a:cs typeface="Times New Roman" panose="02020603050405020304" pitchFamily="18" charset="0"/>
+              </a:rPr>
+              <a:t>ơ</a:t>
+            </a:r>
+            <a:r>
+              <a:rPr lang="en-US" sz="1400" dirty="0">
+                <a:latin typeface="Times New Roman" panose="02020603050405020304" pitchFamily="18" charset="0"/>
+                <a:cs typeface="Times New Roman" panose="02020603050405020304" pitchFamily="18" charset="0"/>
+              </a:rPr>
+              <a:t>n</a:t>
+            </a:r>
+            <a:endParaRPr lang="vi-VN" sz="1400" dirty="0">
+              <a:latin typeface="Times New Roman" panose="02020603050405020304" pitchFamily="18" charset="0"/>
+              <a:cs typeface="Times New Roman" panose="02020603050405020304" pitchFamily="18" charset="0"/>
+            </a:endParaRPr>
+          </a:p>
+        </p:txBody>
+      </p:sp>
+      <p:sp>
+        <p:nvSpPr>
+          <p:cNvPr id="130" name="Rectangle 129"/>
+          <p:cNvSpPr/>
+          <p:nvPr/>
+        </p:nvSpPr>
+        <p:spPr>
+          <a:xfrm>
+            <a:off x="5620661" y="8569255"/>
+            <a:ext cx="1680893" cy="472213"/>
+          </a:xfrm>
+          <a:prstGeom prst="rect">
+            <a:avLst/>
+          </a:prstGeom>
+        </p:spPr>
+        <p:style>
+          <a:lnRef idx="2">
+            <a:schemeClr val="accent1">
+              <a:shade val="50000"/>
+            </a:schemeClr>
+          </a:lnRef>
+          <a:fillRef idx="1">
+            <a:schemeClr val="accent1"/>
+          </a:fillRef>
+          <a:effectRef idx="0">
+            <a:schemeClr val="accent1"/>
+          </a:effectRef>
+          <a:fontRef idx="minor">
+            <a:schemeClr val="lt1"/>
+          </a:fontRef>
+        </p:style>
+        <p:txBody>
+          <a:bodyPr rtlCol="0" anchor="ctr"/>
+          <a:lstStyle/>
+          <a:p>
+            <a:pPr algn="ctr"/>
+            <a:r>
+              <a:rPr lang="en-US" sz="1400" dirty="0" err="1">
+                <a:latin typeface="Times New Roman" panose="02020603050405020304" pitchFamily="18" charset="0"/>
+                <a:cs typeface="Times New Roman" panose="02020603050405020304" pitchFamily="18" charset="0"/>
+              </a:rPr>
+              <a:t>Nộp</a:t>
+            </a:r>
+            <a:r>
+              <a:rPr lang="en-US" sz="1400" dirty="0">
+                <a:latin typeface="Times New Roman" panose="02020603050405020304" pitchFamily="18" charset="0"/>
+                <a:cs typeface="Times New Roman" panose="02020603050405020304" pitchFamily="18" charset="0"/>
+              </a:rPr>
+              <a:t> đ</a:t>
+            </a:r>
+            <a:r>
+              <a:rPr lang="vi-VN" sz="1400" dirty="0">
+                <a:latin typeface="Times New Roman" panose="02020603050405020304" pitchFamily="18" charset="0"/>
+                <a:cs typeface="Times New Roman" panose="02020603050405020304" pitchFamily="18" charset="0"/>
+              </a:rPr>
+              <a:t>ơ</a:t>
+            </a:r>
+            <a:r>
+              <a:rPr lang="en-US" sz="1400" dirty="0">
+                <a:latin typeface="Times New Roman" panose="02020603050405020304" pitchFamily="18" charset="0"/>
+                <a:cs typeface="Times New Roman" panose="02020603050405020304" pitchFamily="18" charset="0"/>
+              </a:rPr>
+              <a:t>n</a:t>
+            </a:r>
+            <a:endParaRPr lang="vi-VN" sz="1400" dirty="0">
+              <a:latin typeface="Times New Roman" panose="02020603050405020304" pitchFamily="18" charset="0"/>
+              <a:cs typeface="Times New Roman" panose="02020603050405020304" pitchFamily="18" charset="0"/>
+            </a:endParaRPr>
+          </a:p>
+        </p:txBody>
+      </p:sp>
+      <p:sp>
+        <p:nvSpPr>
+          <p:cNvPr id="131" name="Rectangle 130"/>
+          <p:cNvSpPr/>
+          <p:nvPr/>
+        </p:nvSpPr>
+        <p:spPr>
+          <a:xfrm>
+            <a:off x="4343406" y="9591261"/>
+            <a:ext cx="1923833" cy="740226"/>
+          </a:xfrm>
+          <a:prstGeom prst="rect">
+            <a:avLst/>
+          </a:prstGeom>
+        </p:spPr>
+        <p:style>
+          <a:lnRef idx="2">
+            <a:schemeClr val="accent1">
+              <a:shade val="50000"/>
+            </a:schemeClr>
+          </a:lnRef>
+          <a:fillRef idx="1">
+            <a:schemeClr val="accent1"/>
+          </a:fillRef>
+          <a:effectRef idx="0">
+            <a:schemeClr val="accent1"/>
+          </a:effectRef>
+          <a:fontRef idx="minor">
+            <a:schemeClr val="lt1"/>
+          </a:fontRef>
+        </p:style>
+        <p:txBody>
+          <a:bodyPr rtlCol="0" anchor="ctr"/>
+          <a:lstStyle/>
+          <a:p>
+            <a:pPr algn="ctr"/>
+            <a:r>
+              <a:rPr lang="en-US" sz="1400" dirty="0" err="1">
+                <a:latin typeface="Times New Roman" panose="02020603050405020304" pitchFamily="18" charset="0"/>
+                <a:cs typeface="Times New Roman" panose="02020603050405020304" pitchFamily="18" charset="0"/>
+              </a:rPr>
+              <a:t>Đến</a:t>
+            </a:r>
+            <a:r>
+              <a:rPr lang="en-US" sz="1400" dirty="0">
+                <a:latin typeface="Times New Roman" panose="02020603050405020304" pitchFamily="18" charset="0"/>
+                <a:cs typeface="Times New Roman" panose="02020603050405020304" pitchFamily="18" charset="0"/>
+              </a:rPr>
+              <a:t> </a:t>
+            </a:r>
+            <a:r>
+              <a:rPr lang="en-US" sz="1400" dirty="0" err="1">
+                <a:latin typeface="Times New Roman" panose="02020603050405020304" pitchFamily="18" charset="0"/>
+                <a:cs typeface="Times New Roman" panose="02020603050405020304" pitchFamily="18" charset="0"/>
+              </a:rPr>
+              <a:t>ngày</a:t>
+            </a:r>
+            <a:r>
+              <a:rPr lang="en-US" sz="1400" dirty="0">
+                <a:latin typeface="Times New Roman" panose="02020603050405020304" pitchFamily="18" charset="0"/>
+                <a:cs typeface="Times New Roman" panose="02020603050405020304" pitchFamily="18" charset="0"/>
+              </a:rPr>
+              <a:t> </a:t>
+            </a:r>
+            <a:r>
+              <a:rPr lang="en-US" sz="1400" dirty="0" err="1">
+                <a:latin typeface="Times New Roman" panose="02020603050405020304" pitchFamily="18" charset="0"/>
+                <a:cs typeface="Times New Roman" panose="02020603050405020304" pitchFamily="18" charset="0"/>
+              </a:rPr>
+              <a:t>hẹn</a:t>
+            </a:r>
+            <a:r>
+              <a:rPr lang="en-US" sz="1400" dirty="0">
+                <a:latin typeface="Times New Roman" panose="02020603050405020304" pitchFamily="18" charset="0"/>
+                <a:cs typeface="Times New Roman" panose="02020603050405020304" pitchFamily="18" charset="0"/>
+              </a:rPr>
+              <a:t>, </a:t>
+            </a:r>
+            <a:r>
+              <a:rPr lang="en-US" sz="1400" dirty="0" err="1">
+                <a:latin typeface="Times New Roman" panose="02020603050405020304" pitchFamily="18" charset="0"/>
+                <a:cs typeface="Times New Roman" panose="02020603050405020304" pitchFamily="18" charset="0"/>
+              </a:rPr>
+              <a:t>lên</a:t>
+            </a:r>
+            <a:r>
+              <a:rPr lang="en-US" sz="1400" dirty="0">
+                <a:latin typeface="Times New Roman" panose="02020603050405020304" pitchFamily="18" charset="0"/>
+                <a:cs typeface="Times New Roman" panose="02020603050405020304" pitchFamily="18" charset="0"/>
+              </a:rPr>
+              <a:t> </a:t>
+            </a:r>
+            <a:r>
+              <a:rPr lang="en-US" sz="1400" dirty="0" err="1">
+                <a:latin typeface="Times New Roman" panose="02020603050405020304" pitchFamily="18" charset="0"/>
+                <a:cs typeface="Times New Roman" panose="02020603050405020304" pitchFamily="18" charset="0"/>
+              </a:rPr>
+              <a:t>phòng</a:t>
+            </a:r>
+            <a:r>
+              <a:rPr lang="en-US" sz="1400" dirty="0">
+                <a:latin typeface="Times New Roman" panose="02020603050405020304" pitchFamily="18" charset="0"/>
+                <a:cs typeface="Times New Roman" panose="02020603050405020304" pitchFamily="18" charset="0"/>
+              </a:rPr>
+              <a:t> ban </a:t>
+            </a:r>
+            <a:r>
+              <a:rPr lang="en-US" sz="1400" dirty="0" err="1">
+                <a:latin typeface="Times New Roman" panose="02020603050405020304" pitchFamily="18" charset="0"/>
+                <a:cs typeface="Times New Roman" panose="02020603050405020304" pitchFamily="18" charset="0"/>
+              </a:rPr>
+              <a:t>nhận</a:t>
+            </a:r>
+            <a:r>
+              <a:rPr lang="en-US" sz="1400" dirty="0">
+                <a:latin typeface="Times New Roman" panose="02020603050405020304" pitchFamily="18" charset="0"/>
+                <a:cs typeface="Times New Roman" panose="02020603050405020304" pitchFamily="18" charset="0"/>
+              </a:rPr>
+              <a:t> kết quả</a:t>
+            </a:r>
+            <a:endParaRPr lang="vi-VN" sz="1400" dirty="0">
+              <a:latin typeface="Times New Roman" panose="02020603050405020304" pitchFamily="18" charset="0"/>
+              <a:cs typeface="Times New Roman" panose="02020603050405020304" pitchFamily="18" charset="0"/>
+            </a:endParaRPr>
+          </a:p>
+        </p:txBody>
+      </p:sp>
+      <p:sp>
+        <p:nvSpPr>
+          <p:cNvPr id="132" name="Rectangle 131"/>
+          <p:cNvSpPr/>
+          <p:nvPr/>
+        </p:nvSpPr>
+        <p:spPr>
+          <a:xfrm>
+            <a:off x="6709232" y="9591261"/>
+            <a:ext cx="1930402" cy="740226"/>
+          </a:xfrm>
+          <a:prstGeom prst="rect">
+            <a:avLst/>
+          </a:prstGeom>
+        </p:spPr>
+        <p:style>
+          <a:lnRef idx="2">
+            <a:schemeClr val="accent1">
+              <a:shade val="50000"/>
+            </a:schemeClr>
+          </a:lnRef>
+          <a:fillRef idx="1">
+            <a:schemeClr val="accent1"/>
+          </a:fillRef>
+          <a:effectRef idx="0">
+            <a:schemeClr val="accent1"/>
+          </a:effectRef>
+          <a:fontRef idx="minor">
+            <a:schemeClr val="lt1"/>
+          </a:fontRef>
+        </p:style>
+        <p:txBody>
+          <a:bodyPr rtlCol="0" anchor="ctr"/>
+          <a:lstStyle/>
+          <a:p>
+            <a:pPr algn="ctr"/>
+            <a:r>
+              <a:rPr lang="en-US" sz="1400" dirty="0" err="1">
+                <a:latin typeface="Times New Roman" panose="02020603050405020304" pitchFamily="18" charset="0"/>
+                <a:cs typeface="Times New Roman" panose="02020603050405020304" pitchFamily="18" charset="0"/>
+              </a:rPr>
+              <a:t>Hệ</a:t>
+            </a:r>
+            <a:r>
+              <a:rPr lang="en-US" sz="1400" dirty="0">
+                <a:latin typeface="Times New Roman" panose="02020603050405020304" pitchFamily="18" charset="0"/>
+                <a:cs typeface="Times New Roman" panose="02020603050405020304" pitchFamily="18" charset="0"/>
+              </a:rPr>
+              <a:t> </a:t>
+            </a:r>
+            <a:r>
+              <a:rPr lang="en-US" sz="1400" dirty="0" err="1">
+                <a:latin typeface="Times New Roman" panose="02020603050405020304" pitchFamily="18" charset="0"/>
+                <a:cs typeface="Times New Roman" panose="02020603050405020304" pitchFamily="18" charset="0"/>
+              </a:rPr>
+              <a:t>thống</a:t>
+            </a:r>
+            <a:r>
+              <a:rPr lang="en-US" sz="1400" dirty="0">
+                <a:latin typeface="Times New Roman" panose="02020603050405020304" pitchFamily="18" charset="0"/>
+                <a:cs typeface="Times New Roman" panose="02020603050405020304" pitchFamily="18" charset="0"/>
+              </a:rPr>
+              <a:t> </a:t>
+            </a:r>
+            <a:r>
+              <a:rPr lang="en-US" sz="1400" dirty="0" err="1">
+                <a:latin typeface="Times New Roman" panose="02020603050405020304" pitchFamily="18" charset="0"/>
+                <a:cs typeface="Times New Roman" panose="02020603050405020304" pitchFamily="18" charset="0"/>
+              </a:rPr>
+              <a:t>thông</a:t>
+            </a:r>
+            <a:r>
+              <a:rPr lang="en-US" sz="1400" dirty="0">
+                <a:latin typeface="Times New Roman" panose="02020603050405020304" pitchFamily="18" charset="0"/>
+                <a:cs typeface="Times New Roman" panose="02020603050405020304" pitchFamily="18" charset="0"/>
+              </a:rPr>
+              <a:t> </a:t>
+            </a:r>
+            <a:r>
+              <a:rPr lang="en-US" sz="1400" dirty="0" err="1">
+                <a:latin typeface="Times New Roman" panose="02020603050405020304" pitchFamily="18" charset="0"/>
+                <a:cs typeface="Times New Roman" panose="02020603050405020304" pitchFamily="18" charset="0"/>
+              </a:rPr>
+              <a:t>báo</a:t>
+            </a:r>
+            <a:r>
+              <a:rPr lang="en-US" sz="1400" dirty="0">
+                <a:latin typeface="Times New Roman" panose="02020603050405020304" pitchFamily="18" charset="0"/>
+                <a:cs typeface="Times New Roman" panose="02020603050405020304" pitchFamily="18" charset="0"/>
+              </a:rPr>
+              <a:t> </a:t>
+            </a:r>
+            <a:r>
+              <a:rPr lang="en-US" sz="1400" dirty="0" err="1">
+                <a:latin typeface="Times New Roman" panose="02020603050405020304" pitchFamily="18" charset="0"/>
+                <a:cs typeface="Times New Roman" panose="02020603050405020304" pitchFamily="18" charset="0"/>
+              </a:rPr>
+              <a:t>đã</a:t>
+            </a:r>
+            <a:r>
+              <a:rPr lang="en-US" sz="1400" dirty="0">
+                <a:latin typeface="Times New Roman" panose="02020603050405020304" pitchFamily="18" charset="0"/>
+                <a:cs typeface="Times New Roman" panose="02020603050405020304" pitchFamily="18" charset="0"/>
+              </a:rPr>
+              <a:t> xử lý </a:t>
+            </a:r>
+            <a:r>
+              <a:rPr lang="en-US" sz="1400" dirty="0" err="1">
+                <a:latin typeface="Times New Roman" panose="02020603050405020304" pitchFamily="18" charset="0"/>
+                <a:cs typeface="Times New Roman" panose="02020603050405020304" pitchFamily="18" charset="0"/>
+              </a:rPr>
+              <a:t>xong</a:t>
+            </a:r>
+            <a:endParaRPr lang="vi-VN" sz="1400" dirty="0">
+              <a:latin typeface="Times New Roman" panose="02020603050405020304" pitchFamily="18" charset="0"/>
+              <a:cs typeface="Times New Roman" panose="02020603050405020304" pitchFamily="18" charset="0"/>
+            </a:endParaRPr>
+          </a:p>
+        </p:txBody>
+      </p:sp>
+      <p:cxnSp>
+        <p:nvCxnSpPr>
+          <p:cNvPr id="133" name="Straight Arrow Connector 132"/>
+          <p:cNvCxnSpPr>
+            <a:cxnSpLocks/>
+            <a:stCxn id="127" idx="4"/>
+            <a:endCxn id="128" idx="0"/>
+          </p:cNvCxnSpPr>
+          <p:nvPr/>
+        </p:nvCxnSpPr>
+        <p:spPr>
+          <a:xfrm>
+            <a:off x="6453848" y="6611335"/>
+            <a:ext cx="2" cy="362105"/>
+          </a:xfrm>
+          <a:prstGeom prst="straightConnector1">
+            <a:avLst/>
+          </a:prstGeom>
+          <a:ln>
+            <a:tailEnd type="triangle"/>
+          </a:ln>
+        </p:spPr>
+        <p:style>
+          <a:lnRef idx="1">
+            <a:schemeClr val="accent1"/>
+          </a:lnRef>
+          <a:fillRef idx="0">
+            <a:schemeClr val="accent1"/>
+          </a:fillRef>
+          <a:effectRef idx="0">
+            <a:schemeClr val="accent1"/>
+          </a:effectRef>
+          <a:fontRef idx="minor">
+            <a:schemeClr val="tx1"/>
+          </a:fontRef>
+        </p:style>
+      </p:cxnSp>
+      <p:cxnSp>
+        <p:nvCxnSpPr>
+          <p:cNvPr id="134" name="Straight Arrow Connector 133"/>
+          <p:cNvCxnSpPr>
+            <a:stCxn id="129" idx="2"/>
+            <a:endCxn id="130" idx="0"/>
+          </p:cNvCxnSpPr>
+          <p:nvPr/>
+        </p:nvCxnSpPr>
+        <p:spPr>
+          <a:xfrm>
+            <a:off x="6461108" y="8237179"/>
+            <a:ext cx="0" cy="332076"/>
+          </a:xfrm>
+          <a:prstGeom prst="straightConnector1">
+            <a:avLst/>
+          </a:prstGeom>
+          <a:ln>
+            <a:tailEnd type="triangle"/>
+          </a:ln>
+        </p:spPr>
+        <p:style>
+          <a:lnRef idx="1">
+            <a:schemeClr val="accent1"/>
+          </a:lnRef>
+          <a:fillRef idx="0">
+            <a:schemeClr val="accent1"/>
+          </a:fillRef>
+          <a:effectRef idx="0">
+            <a:schemeClr val="accent1"/>
+          </a:effectRef>
+          <a:fontRef idx="minor">
+            <a:schemeClr val="tx1"/>
+          </a:fontRef>
+        </p:style>
+      </p:cxnSp>
+      <p:cxnSp>
+        <p:nvCxnSpPr>
+          <p:cNvPr id="135" name="Straight Arrow Connector 134"/>
+          <p:cNvCxnSpPr>
+            <a:cxnSpLocks/>
+            <a:stCxn id="130" idx="2"/>
+            <a:endCxn id="132" idx="0"/>
+          </p:cNvCxnSpPr>
+          <p:nvPr/>
+        </p:nvCxnSpPr>
+        <p:spPr>
+          <a:xfrm>
+            <a:off x="6461108" y="9041468"/>
+            <a:ext cx="1213325" cy="549793"/>
+          </a:xfrm>
+          <a:prstGeom prst="straightConnector1">
+            <a:avLst/>
+          </a:prstGeom>
+          <a:ln>
+            <a:tailEnd type="triangle"/>
+          </a:ln>
+        </p:spPr>
+        <p:style>
+          <a:lnRef idx="1">
+            <a:schemeClr val="accent1"/>
+          </a:lnRef>
+          <a:fillRef idx="0">
+            <a:schemeClr val="accent1"/>
+          </a:fillRef>
+          <a:effectRef idx="0">
+            <a:schemeClr val="accent1"/>
+          </a:effectRef>
+          <a:fontRef idx="minor">
+            <a:schemeClr val="tx1"/>
+          </a:fontRef>
+        </p:style>
+      </p:cxnSp>
+      <p:cxnSp>
+        <p:nvCxnSpPr>
+          <p:cNvPr id="136" name="Straight Arrow Connector 135"/>
+          <p:cNvCxnSpPr>
+            <a:cxnSpLocks/>
+            <a:stCxn id="130" idx="2"/>
+            <a:endCxn id="131" idx="0"/>
+          </p:cNvCxnSpPr>
+          <p:nvPr/>
+        </p:nvCxnSpPr>
+        <p:spPr>
+          <a:xfrm flipH="1">
+            <a:off x="5305323" y="9041468"/>
+            <a:ext cx="1155785" cy="549793"/>
+          </a:xfrm>
+          <a:prstGeom prst="straightConnector1">
+            <a:avLst/>
+          </a:prstGeom>
+          <a:ln>
+            <a:tailEnd type="triangle"/>
+          </a:ln>
+        </p:spPr>
+        <p:style>
+          <a:lnRef idx="1">
+            <a:schemeClr val="accent1"/>
+          </a:lnRef>
+          <a:fillRef idx="0">
+            <a:schemeClr val="accent1"/>
+          </a:fillRef>
+          <a:effectRef idx="0">
+            <a:schemeClr val="accent1"/>
+          </a:effectRef>
+          <a:fontRef idx="minor">
+            <a:schemeClr val="tx1"/>
+          </a:fontRef>
+        </p:style>
+      </p:cxnSp>
+      <p:cxnSp>
+        <p:nvCxnSpPr>
+          <p:cNvPr id="137" name="Straight Arrow Connector 136"/>
+          <p:cNvCxnSpPr>
+            <a:stCxn id="128" idx="2"/>
+            <a:endCxn id="129" idx="0"/>
+          </p:cNvCxnSpPr>
+          <p:nvPr/>
+        </p:nvCxnSpPr>
+        <p:spPr>
+          <a:xfrm>
+            <a:off x="6453850" y="7458416"/>
+            <a:ext cx="7258" cy="332075"/>
+          </a:xfrm>
+          <a:prstGeom prst="straightConnector1">
+            <a:avLst/>
+          </a:prstGeom>
+          <a:ln>
+            <a:tailEnd type="triangle"/>
+          </a:ln>
+        </p:spPr>
+        <p:style>
+          <a:lnRef idx="1">
+            <a:schemeClr val="accent1"/>
+          </a:lnRef>
+          <a:fillRef idx="0">
+            <a:schemeClr val="accent1"/>
+          </a:fillRef>
+          <a:effectRef idx="0">
+            <a:schemeClr val="accent1"/>
+          </a:effectRef>
+          <a:fontRef idx="minor">
+            <a:schemeClr val="tx1"/>
+          </a:fontRef>
+        </p:style>
+      </p:cxnSp>
     </p:spTree>
     <p:extLst>
       <p:ext uri="{BB962C8B-B14F-4D97-AF65-F5344CB8AC3E}">
         <p14:creationId xmlns:p14="http://schemas.microsoft.com/office/powerpoint/2010/main" val="2121832673"/>
+      </p:ext>
+    </p:extLst>
+  </p:cSld>
+  <p:clrMapOvr>
+    <a:masterClrMapping/>
+  </p:clrMapOvr>
+</p:sld>
+</file>
+
+<file path=ppt/slides/slide2.xml><?xml version="1.0" encoding="utf-8"?>
+<p:sld xmlns:a="http://schemas.openxmlformats.org/drawingml/2006/main" xmlns:r="http://schemas.openxmlformats.org/officeDocument/2006/relationships" xmlns:p="http://schemas.openxmlformats.org/presentationml/2006/main">
+  <p:cSld>
+    <p:spTree>
+      <p:nvGrpSpPr>
+        <p:cNvPr id="1" name=""/>
+        <p:cNvGrpSpPr/>
+        <p:nvPr/>
+      </p:nvGrpSpPr>
+      <p:grpSpPr>
+        <a:xfrm>
+          <a:off x="0" y="0"/>
+          <a:ext cx="0" cy="0"/>
+          <a:chOff x="0" y="0"/>
+          <a:chExt cx="0" cy="0"/>
+        </a:xfrm>
+      </p:grpSpPr>
+      <p:sp>
+        <p:nvSpPr>
+          <p:cNvPr id="4" name="Oval 3"/>
+          <p:cNvSpPr/>
+          <p:nvPr/>
+        </p:nvSpPr>
+        <p:spPr>
+          <a:xfrm>
+            <a:off x="3069769" y="687191"/>
+            <a:ext cx="1680891" cy="447690"/>
+          </a:xfrm>
+          <a:prstGeom prst="ellipse">
+            <a:avLst/>
+          </a:prstGeom>
+        </p:spPr>
+        <p:style>
+          <a:lnRef idx="2">
+            <a:schemeClr val="accent1">
+              <a:shade val="50000"/>
+            </a:schemeClr>
+          </a:lnRef>
+          <a:fillRef idx="1">
+            <a:schemeClr val="accent1"/>
+          </a:fillRef>
+          <a:effectRef idx="0">
+            <a:schemeClr val="accent1"/>
+          </a:effectRef>
+          <a:fontRef idx="minor">
+            <a:schemeClr val="lt1"/>
+          </a:fontRef>
+        </p:style>
+        <p:txBody>
+          <a:bodyPr rtlCol="0" anchor="ctr"/>
+          <a:lstStyle/>
+          <a:p>
+            <a:pPr algn="ctr"/>
+            <a:r>
+              <a:rPr lang="en-US" sz="1400" dirty="0" err="1">
+                <a:latin typeface="Times New Roman" panose="02020603050405020304" pitchFamily="18" charset="0"/>
+                <a:cs typeface="Times New Roman" panose="02020603050405020304" pitchFamily="18" charset="0"/>
+              </a:rPr>
+              <a:t>Sinh</a:t>
+            </a:r>
+            <a:r>
+              <a:rPr lang="en-US" sz="1400" dirty="0">
+                <a:latin typeface="Times New Roman" panose="02020603050405020304" pitchFamily="18" charset="0"/>
+                <a:cs typeface="Times New Roman" panose="02020603050405020304" pitchFamily="18" charset="0"/>
+              </a:rPr>
+              <a:t> </a:t>
+            </a:r>
+            <a:r>
+              <a:rPr lang="en-US" sz="1400" dirty="0" err="1">
+                <a:latin typeface="Times New Roman" panose="02020603050405020304" pitchFamily="18" charset="0"/>
+                <a:cs typeface="Times New Roman" panose="02020603050405020304" pitchFamily="18" charset="0"/>
+              </a:rPr>
+              <a:t>viên</a:t>
+            </a:r>
+            <a:endParaRPr lang="vi-VN" sz="1400" dirty="0">
+              <a:latin typeface="Times New Roman" panose="02020603050405020304" pitchFamily="18" charset="0"/>
+              <a:cs typeface="Times New Roman" panose="02020603050405020304" pitchFamily="18" charset="0"/>
+            </a:endParaRPr>
+          </a:p>
+        </p:txBody>
+      </p:sp>
+      <p:sp>
+        <p:nvSpPr>
+          <p:cNvPr id="5" name="Rectangle 4"/>
+          <p:cNvSpPr/>
+          <p:nvPr/>
+        </p:nvSpPr>
+        <p:spPr>
+          <a:xfrm>
+            <a:off x="3069770" y="1496986"/>
+            <a:ext cx="1680894" cy="484976"/>
+          </a:xfrm>
+          <a:prstGeom prst="rect">
+            <a:avLst/>
+          </a:prstGeom>
+        </p:spPr>
+        <p:style>
+          <a:lnRef idx="2">
+            <a:schemeClr val="accent1">
+              <a:shade val="50000"/>
+            </a:schemeClr>
+          </a:lnRef>
+          <a:fillRef idx="1">
+            <a:schemeClr val="accent1"/>
+          </a:fillRef>
+          <a:effectRef idx="0">
+            <a:schemeClr val="accent1"/>
+          </a:effectRef>
+          <a:fontRef idx="minor">
+            <a:schemeClr val="lt1"/>
+          </a:fontRef>
+        </p:style>
+        <p:txBody>
+          <a:bodyPr rtlCol="0" anchor="ctr"/>
+          <a:lstStyle/>
+          <a:p>
+            <a:pPr algn="ctr"/>
+            <a:r>
+              <a:rPr lang="en-US" sz="1400" dirty="0" err="1">
+                <a:latin typeface="Times New Roman" panose="02020603050405020304" pitchFamily="18" charset="0"/>
+                <a:cs typeface="Times New Roman" panose="02020603050405020304" pitchFamily="18" charset="0"/>
+              </a:rPr>
+              <a:t>Tìm</a:t>
+            </a:r>
+            <a:r>
+              <a:rPr lang="en-US" sz="1400" dirty="0">
+                <a:latin typeface="Times New Roman" panose="02020603050405020304" pitchFamily="18" charset="0"/>
+                <a:cs typeface="Times New Roman" panose="02020603050405020304" pitchFamily="18" charset="0"/>
+              </a:rPr>
+              <a:t> </a:t>
+            </a:r>
+            <a:r>
+              <a:rPr lang="en-US" sz="1400" dirty="0" err="1">
+                <a:latin typeface="Times New Roman" panose="02020603050405020304" pitchFamily="18" charset="0"/>
+                <a:cs typeface="Times New Roman" panose="02020603050405020304" pitchFamily="18" charset="0"/>
+              </a:rPr>
+              <a:t>kiếm</a:t>
+            </a:r>
+            <a:r>
+              <a:rPr lang="en-US" sz="1400" dirty="0">
+                <a:latin typeface="Times New Roman" panose="02020603050405020304" pitchFamily="18" charset="0"/>
+                <a:cs typeface="Times New Roman" panose="02020603050405020304" pitchFamily="18" charset="0"/>
+              </a:rPr>
+              <a:t> đ</a:t>
+            </a:r>
+            <a:r>
+              <a:rPr lang="vi-VN" sz="1400" dirty="0">
+                <a:latin typeface="Times New Roman" panose="02020603050405020304" pitchFamily="18" charset="0"/>
+                <a:cs typeface="Times New Roman" panose="02020603050405020304" pitchFamily="18" charset="0"/>
+              </a:rPr>
+              <a:t>ơ</a:t>
+            </a:r>
+            <a:r>
+              <a:rPr lang="en-US" sz="1400" dirty="0">
+                <a:latin typeface="Times New Roman" panose="02020603050405020304" pitchFamily="18" charset="0"/>
+                <a:cs typeface="Times New Roman" panose="02020603050405020304" pitchFamily="18" charset="0"/>
+              </a:rPr>
+              <a:t>n</a:t>
+            </a:r>
+            <a:endParaRPr lang="vi-VN" sz="1400" dirty="0">
+              <a:latin typeface="Times New Roman" panose="02020603050405020304" pitchFamily="18" charset="0"/>
+              <a:cs typeface="Times New Roman" panose="02020603050405020304" pitchFamily="18" charset="0"/>
+            </a:endParaRPr>
+          </a:p>
+        </p:txBody>
+      </p:sp>
+      <p:sp>
+        <p:nvSpPr>
+          <p:cNvPr id="6" name="Rectangle 5"/>
+          <p:cNvSpPr/>
+          <p:nvPr/>
+        </p:nvSpPr>
+        <p:spPr>
+          <a:xfrm>
+            <a:off x="3077028" y="2314037"/>
+            <a:ext cx="1680893" cy="446688"/>
+          </a:xfrm>
+          <a:prstGeom prst="rect">
+            <a:avLst/>
+          </a:prstGeom>
+        </p:spPr>
+        <p:style>
+          <a:lnRef idx="2">
+            <a:schemeClr val="accent1">
+              <a:shade val="50000"/>
+            </a:schemeClr>
+          </a:lnRef>
+          <a:fillRef idx="1">
+            <a:schemeClr val="accent1"/>
+          </a:fillRef>
+          <a:effectRef idx="0">
+            <a:schemeClr val="accent1"/>
+          </a:effectRef>
+          <a:fontRef idx="minor">
+            <a:schemeClr val="lt1"/>
+          </a:fontRef>
+        </p:style>
+        <p:txBody>
+          <a:bodyPr rtlCol="0" anchor="ctr"/>
+          <a:lstStyle/>
+          <a:p>
+            <a:pPr algn="ctr"/>
+            <a:r>
+              <a:rPr lang="en-US" sz="1400" dirty="0" err="1">
+                <a:latin typeface="Times New Roman" panose="02020603050405020304" pitchFamily="18" charset="0"/>
+                <a:cs typeface="Times New Roman" panose="02020603050405020304" pitchFamily="18" charset="0"/>
+              </a:rPr>
+              <a:t>Điền</a:t>
+            </a:r>
+            <a:r>
+              <a:rPr lang="en-US" sz="1400" dirty="0">
+                <a:latin typeface="Times New Roman" panose="02020603050405020304" pitchFamily="18" charset="0"/>
+                <a:cs typeface="Times New Roman" panose="02020603050405020304" pitchFamily="18" charset="0"/>
+              </a:rPr>
+              <a:t> đ</a:t>
+            </a:r>
+            <a:r>
+              <a:rPr lang="vi-VN" sz="1400" dirty="0">
+                <a:latin typeface="Times New Roman" panose="02020603050405020304" pitchFamily="18" charset="0"/>
+                <a:cs typeface="Times New Roman" panose="02020603050405020304" pitchFamily="18" charset="0"/>
+              </a:rPr>
+              <a:t>ơ</a:t>
+            </a:r>
+            <a:r>
+              <a:rPr lang="en-US" sz="1400" dirty="0">
+                <a:latin typeface="Times New Roman" panose="02020603050405020304" pitchFamily="18" charset="0"/>
+                <a:cs typeface="Times New Roman" panose="02020603050405020304" pitchFamily="18" charset="0"/>
+              </a:rPr>
+              <a:t>n</a:t>
+            </a:r>
+            <a:endParaRPr lang="vi-VN" sz="1400" dirty="0">
+              <a:latin typeface="Times New Roman" panose="02020603050405020304" pitchFamily="18" charset="0"/>
+              <a:cs typeface="Times New Roman" panose="02020603050405020304" pitchFamily="18" charset="0"/>
+            </a:endParaRPr>
+          </a:p>
+        </p:txBody>
+      </p:sp>
+      <p:sp>
+        <p:nvSpPr>
+          <p:cNvPr id="7" name="Rectangle 6"/>
+          <p:cNvSpPr/>
+          <p:nvPr/>
+        </p:nvSpPr>
+        <p:spPr>
+          <a:xfrm>
+            <a:off x="3077028" y="3092801"/>
+            <a:ext cx="1680893" cy="472213"/>
+          </a:xfrm>
+          <a:prstGeom prst="rect">
+            <a:avLst/>
+          </a:prstGeom>
+        </p:spPr>
+        <p:style>
+          <a:lnRef idx="2">
+            <a:schemeClr val="accent1">
+              <a:shade val="50000"/>
+            </a:schemeClr>
+          </a:lnRef>
+          <a:fillRef idx="1">
+            <a:schemeClr val="accent1"/>
+          </a:fillRef>
+          <a:effectRef idx="0">
+            <a:schemeClr val="accent1"/>
+          </a:effectRef>
+          <a:fontRef idx="minor">
+            <a:schemeClr val="lt1"/>
+          </a:fontRef>
+        </p:style>
+        <p:txBody>
+          <a:bodyPr rtlCol="0" anchor="ctr"/>
+          <a:lstStyle/>
+          <a:p>
+            <a:pPr algn="ctr"/>
+            <a:r>
+              <a:rPr lang="en-US" sz="1400" dirty="0" err="1">
+                <a:latin typeface="Times New Roman" panose="02020603050405020304" pitchFamily="18" charset="0"/>
+                <a:cs typeface="Times New Roman" panose="02020603050405020304" pitchFamily="18" charset="0"/>
+              </a:rPr>
+              <a:t>Nộp</a:t>
+            </a:r>
+            <a:r>
+              <a:rPr lang="en-US" sz="1400" dirty="0">
+                <a:latin typeface="Times New Roman" panose="02020603050405020304" pitchFamily="18" charset="0"/>
+                <a:cs typeface="Times New Roman" panose="02020603050405020304" pitchFamily="18" charset="0"/>
+              </a:rPr>
+              <a:t> đ</a:t>
+            </a:r>
+            <a:r>
+              <a:rPr lang="vi-VN" sz="1400" dirty="0">
+                <a:latin typeface="Times New Roman" panose="02020603050405020304" pitchFamily="18" charset="0"/>
+                <a:cs typeface="Times New Roman" panose="02020603050405020304" pitchFamily="18" charset="0"/>
+              </a:rPr>
+              <a:t>ơ</a:t>
+            </a:r>
+            <a:r>
+              <a:rPr lang="en-US" sz="1400" dirty="0">
+                <a:latin typeface="Times New Roman" panose="02020603050405020304" pitchFamily="18" charset="0"/>
+                <a:cs typeface="Times New Roman" panose="02020603050405020304" pitchFamily="18" charset="0"/>
+              </a:rPr>
+              <a:t>n</a:t>
+            </a:r>
+            <a:endParaRPr lang="vi-VN" sz="1400" dirty="0">
+              <a:latin typeface="Times New Roman" panose="02020603050405020304" pitchFamily="18" charset="0"/>
+              <a:cs typeface="Times New Roman" panose="02020603050405020304" pitchFamily="18" charset="0"/>
+            </a:endParaRPr>
+          </a:p>
+        </p:txBody>
+      </p:sp>
+      <p:sp>
+        <p:nvSpPr>
+          <p:cNvPr id="8" name="Rectangle 7"/>
+          <p:cNvSpPr/>
+          <p:nvPr/>
+        </p:nvSpPr>
+        <p:spPr>
+          <a:xfrm>
+            <a:off x="1799773" y="4114807"/>
+            <a:ext cx="1923833" cy="740226"/>
+          </a:xfrm>
+          <a:prstGeom prst="rect">
+            <a:avLst/>
+          </a:prstGeom>
+        </p:spPr>
+        <p:style>
+          <a:lnRef idx="2">
+            <a:schemeClr val="accent1">
+              <a:shade val="50000"/>
+            </a:schemeClr>
+          </a:lnRef>
+          <a:fillRef idx="1">
+            <a:schemeClr val="accent1"/>
+          </a:fillRef>
+          <a:effectRef idx="0">
+            <a:schemeClr val="accent1"/>
+          </a:effectRef>
+          <a:fontRef idx="minor">
+            <a:schemeClr val="lt1"/>
+          </a:fontRef>
+        </p:style>
+        <p:txBody>
+          <a:bodyPr rtlCol="0" anchor="ctr"/>
+          <a:lstStyle/>
+          <a:p>
+            <a:pPr algn="ctr"/>
+            <a:r>
+              <a:rPr lang="en-US" sz="1400" dirty="0" err="1">
+                <a:latin typeface="Times New Roman" panose="02020603050405020304" pitchFamily="18" charset="0"/>
+                <a:cs typeface="Times New Roman" panose="02020603050405020304" pitchFamily="18" charset="0"/>
+              </a:rPr>
+              <a:t>Đến</a:t>
+            </a:r>
+            <a:r>
+              <a:rPr lang="en-US" sz="1400" dirty="0">
+                <a:latin typeface="Times New Roman" panose="02020603050405020304" pitchFamily="18" charset="0"/>
+                <a:cs typeface="Times New Roman" panose="02020603050405020304" pitchFamily="18" charset="0"/>
+              </a:rPr>
+              <a:t> </a:t>
+            </a:r>
+            <a:r>
+              <a:rPr lang="en-US" sz="1400" dirty="0" err="1">
+                <a:latin typeface="Times New Roman" panose="02020603050405020304" pitchFamily="18" charset="0"/>
+                <a:cs typeface="Times New Roman" panose="02020603050405020304" pitchFamily="18" charset="0"/>
+              </a:rPr>
+              <a:t>ngày</a:t>
+            </a:r>
+            <a:r>
+              <a:rPr lang="en-US" sz="1400" dirty="0">
+                <a:latin typeface="Times New Roman" panose="02020603050405020304" pitchFamily="18" charset="0"/>
+                <a:cs typeface="Times New Roman" panose="02020603050405020304" pitchFamily="18" charset="0"/>
+              </a:rPr>
+              <a:t> </a:t>
+            </a:r>
+            <a:r>
+              <a:rPr lang="en-US" sz="1400" dirty="0" err="1">
+                <a:latin typeface="Times New Roman" panose="02020603050405020304" pitchFamily="18" charset="0"/>
+                <a:cs typeface="Times New Roman" panose="02020603050405020304" pitchFamily="18" charset="0"/>
+              </a:rPr>
+              <a:t>hẹn</a:t>
+            </a:r>
+            <a:r>
+              <a:rPr lang="en-US" sz="1400" dirty="0">
+                <a:latin typeface="Times New Roman" panose="02020603050405020304" pitchFamily="18" charset="0"/>
+                <a:cs typeface="Times New Roman" panose="02020603050405020304" pitchFamily="18" charset="0"/>
+              </a:rPr>
+              <a:t>, </a:t>
+            </a:r>
+            <a:r>
+              <a:rPr lang="en-US" sz="1400" dirty="0" err="1">
+                <a:latin typeface="Times New Roman" panose="02020603050405020304" pitchFamily="18" charset="0"/>
+                <a:cs typeface="Times New Roman" panose="02020603050405020304" pitchFamily="18" charset="0"/>
+              </a:rPr>
+              <a:t>lên</a:t>
+            </a:r>
+            <a:r>
+              <a:rPr lang="en-US" sz="1400" dirty="0">
+                <a:latin typeface="Times New Roman" panose="02020603050405020304" pitchFamily="18" charset="0"/>
+                <a:cs typeface="Times New Roman" panose="02020603050405020304" pitchFamily="18" charset="0"/>
+              </a:rPr>
+              <a:t> </a:t>
+            </a:r>
+            <a:r>
+              <a:rPr lang="en-US" sz="1400" dirty="0" err="1">
+                <a:latin typeface="Times New Roman" panose="02020603050405020304" pitchFamily="18" charset="0"/>
+                <a:cs typeface="Times New Roman" panose="02020603050405020304" pitchFamily="18" charset="0"/>
+              </a:rPr>
+              <a:t>phòng</a:t>
+            </a:r>
+            <a:r>
+              <a:rPr lang="en-US" sz="1400" dirty="0">
+                <a:latin typeface="Times New Roman" panose="02020603050405020304" pitchFamily="18" charset="0"/>
+                <a:cs typeface="Times New Roman" panose="02020603050405020304" pitchFamily="18" charset="0"/>
+              </a:rPr>
+              <a:t> ban </a:t>
+            </a:r>
+            <a:r>
+              <a:rPr lang="en-US" sz="1400" dirty="0" err="1">
+                <a:latin typeface="Times New Roman" panose="02020603050405020304" pitchFamily="18" charset="0"/>
+                <a:cs typeface="Times New Roman" panose="02020603050405020304" pitchFamily="18" charset="0"/>
+              </a:rPr>
+              <a:t>nhận</a:t>
+            </a:r>
+            <a:r>
+              <a:rPr lang="en-US" sz="1400" dirty="0">
+                <a:latin typeface="Times New Roman" panose="02020603050405020304" pitchFamily="18" charset="0"/>
+                <a:cs typeface="Times New Roman" panose="02020603050405020304" pitchFamily="18" charset="0"/>
+              </a:rPr>
+              <a:t> kết quả</a:t>
+            </a:r>
+            <a:endParaRPr lang="vi-VN" sz="1400" dirty="0">
+              <a:latin typeface="Times New Roman" panose="02020603050405020304" pitchFamily="18" charset="0"/>
+              <a:cs typeface="Times New Roman" panose="02020603050405020304" pitchFamily="18" charset="0"/>
+            </a:endParaRPr>
+          </a:p>
+        </p:txBody>
+      </p:sp>
+      <p:sp>
+        <p:nvSpPr>
+          <p:cNvPr id="26" name="Rectangle 25"/>
+          <p:cNvSpPr/>
+          <p:nvPr/>
+        </p:nvSpPr>
+        <p:spPr>
+          <a:xfrm>
+            <a:off x="4165599" y="4114807"/>
+            <a:ext cx="1930402" cy="740226"/>
+          </a:xfrm>
+          <a:prstGeom prst="rect">
+            <a:avLst/>
+          </a:prstGeom>
+        </p:spPr>
+        <p:style>
+          <a:lnRef idx="2">
+            <a:schemeClr val="accent1">
+              <a:shade val="50000"/>
+            </a:schemeClr>
+          </a:lnRef>
+          <a:fillRef idx="1">
+            <a:schemeClr val="accent1"/>
+          </a:fillRef>
+          <a:effectRef idx="0">
+            <a:schemeClr val="accent1"/>
+          </a:effectRef>
+          <a:fontRef idx="minor">
+            <a:schemeClr val="lt1"/>
+          </a:fontRef>
+        </p:style>
+        <p:txBody>
+          <a:bodyPr rtlCol="0" anchor="ctr"/>
+          <a:lstStyle/>
+          <a:p>
+            <a:pPr algn="ctr"/>
+            <a:r>
+              <a:rPr lang="en-US" sz="1400" dirty="0" err="1">
+                <a:latin typeface="Times New Roman" panose="02020603050405020304" pitchFamily="18" charset="0"/>
+                <a:cs typeface="Times New Roman" panose="02020603050405020304" pitchFamily="18" charset="0"/>
+              </a:rPr>
+              <a:t>Hệ</a:t>
+            </a:r>
+            <a:r>
+              <a:rPr lang="en-US" sz="1400" dirty="0">
+                <a:latin typeface="Times New Roman" panose="02020603050405020304" pitchFamily="18" charset="0"/>
+                <a:cs typeface="Times New Roman" panose="02020603050405020304" pitchFamily="18" charset="0"/>
+              </a:rPr>
+              <a:t> </a:t>
+            </a:r>
+            <a:r>
+              <a:rPr lang="en-US" sz="1400" dirty="0" err="1">
+                <a:latin typeface="Times New Roman" panose="02020603050405020304" pitchFamily="18" charset="0"/>
+                <a:cs typeface="Times New Roman" panose="02020603050405020304" pitchFamily="18" charset="0"/>
+              </a:rPr>
+              <a:t>thống</a:t>
+            </a:r>
+            <a:r>
+              <a:rPr lang="en-US" sz="1400" dirty="0">
+                <a:latin typeface="Times New Roman" panose="02020603050405020304" pitchFamily="18" charset="0"/>
+                <a:cs typeface="Times New Roman" panose="02020603050405020304" pitchFamily="18" charset="0"/>
+              </a:rPr>
+              <a:t> </a:t>
+            </a:r>
+            <a:r>
+              <a:rPr lang="en-US" sz="1400" dirty="0" err="1">
+                <a:latin typeface="Times New Roman" panose="02020603050405020304" pitchFamily="18" charset="0"/>
+                <a:cs typeface="Times New Roman" panose="02020603050405020304" pitchFamily="18" charset="0"/>
+              </a:rPr>
+              <a:t>thông</a:t>
+            </a:r>
+            <a:r>
+              <a:rPr lang="en-US" sz="1400" dirty="0">
+                <a:latin typeface="Times New Roman" panose="02020603050405020304" pitchFamily="18" charset="0"/>
+                <a:cs typeface="Times New Roman" panose="02020603050405020304" pitchFamily="18" charset="0"/>
+              </a:rPr>
+              <a:t> </a:t>
+            </a:r>
+            <a:r>
+              <a:rPr lang="en-US" sz="1400" dirty="0" err="1">
+                <a:latin typeface="Times New Roman" panose="02020603050405020304" pitchFamily="18" charset="0"/>
+                <a:cs typeface="Times New Roman" panose="02020603050405020304" pitchFamily="18" charset="0"/>
+              </a:rPr>
+              <a:t>báo</a:t>
+            </a:r>
+            <a:r>
+              <a:rPr lang="en-US" sz="1400" dirty="0">
+                <a:latin typeface="Times New Roman" panose="02020603050405020304" pitchFamily="18" charset="0"/>
+                <a:cs typeface="Times New Roman" panose="02020603050405020304" pitchFamily="18" charset="0"/>
+              </a:rPr>
+              <a:t> </a:t>
+            </a:r>
+            <a:r>
+              <a:rPr lang="en-US" sz="1400" dirty="0" err="1">
+                <a:latin typeface="Times New Roman" panose="02020603050405020304" pitchFamily="18" charset="0"/>
+                <a:cs typeface="Times New Roman" panose="02020603050405020304" pitchFamily="18" charset="0"/>
+              </a:rPr>
+              <a:t>đã</a:t>
+            </a:r>
+            <a:r>
+              <a:rPr lang="en-US" sz="1400" dirty="0">
+                <a:latin typeface="Times New Roman" panose="02020603050405020304" pitchFamily="18" charset="0"/>
+                <a:cs typeface="Times New Roman" panose="02020603050405020304" pitchFamily="18" charset="0"/>
+              </a:rPr>
+              <a:t> xử lý </a:t>
+            </a:r>
+            <a:r>
+              <a:rPr lang="en-US" sz="1400" dirty="0" err="1">
+                <a:latin typeface="Times New Roman" panose="02020603050405020304" pitchFamily="18" charset="0"/>
+                <a:cs typeface="Times New Roman" panose="02020603050405020304" pitchFamily="18" charset="0"/>
+              </a:rPr>
+              <a:t>xong</a:t>
+            </a:r>
+            <a:endParaRPr lang="vi-VN" sz="1400" dirty="0">
+              <a:latin typeface="Times New Roman" panose="02020603050405020304" pitchFamily="18" charset="0"/>
+              <a:cs typeface="Times New Roman" panose="02020603050405020304" pitchFamily="18" charset="0"/>
+            </a:endParaRPr>
+          </a:p>
+        </p:txBody>
+      </p:sp>
+      <p:cxnSp>
+        <p:nvCxnSpPr>
+          <p:cNvPr id="30" name="Straight Arrow Connector 29"/>
+          <p:cNvCxnSpPr>
+            <a:cxnSpLocks/>
+            <a:stCxn id="4" idx="4"/>
+            <a:endCxn id="5" idx="0"/>
+          </p:cNvCxnSpPr>
+          <p:nvPr/>
+        </p:nvCxnSpPr>
+        <p:spPr>
+          <a:xfrm>
+            <a:off x="3910215" y="1134881"/>
+            <a:ext cx="2" cy="362105"/>
+          </a:xfrm>
+          <a:prstGeom prst="straightConnector1">
+            <a:avLst/>
+          </a:prstGeom>
+          <a:ln>
+            <a:tailEnd type="triangle"/>
+          </a:ln>
+        </p:spPr>
+        <p:style>
+          <a:lnRef idx="1">
+            <a:schemeClr val="accent1"/>
+          </a:lnRef>
+          <a:fillRef idx="0">
+            <a:schemeClr val="accent1"/>
+          </a:fillRef>
+          <a:effectRef idx="0">
+            <a:schemeClr val="accent1"/>
+          </a:effectRef>
+          <a:fontRef idx="minor">
+            <a:schemeClr val="tx1"/>
+          </a:fontRef>
+        </p:style>
+      </p:cxnSp>
+      <p:cxnSp>
+        <p:nvCxnSpPr>
+          <p:cNvPr id="34" name="Straight Arrow Connector 33"/>
+          <p:cNvCxnSpPr>
+            <a:stCxn id="6" idx="2"/>
+            <a:endCxn id="7" idx="0"/>
+          </p:cNvCxnSpPr>
+          <p:nvPr/>
+        </p:nvCxnSpPr>
+        <p:spPr>
+          <a:xfrm>
+            <a:off x="3917475" y="2760725"/>
+            <a:ext cx="0" cy="332076"/>
+          </a:xfrm>
+          <a:prstGeom prst="straightConnector1">
+            <a:avLst/>
+          </a:prstGeom>
+          <a:ln>
+            <a:tailEnd type="triangle"/>
+          </a:ln>
+        </p:spPr>
+        <p:style>
+          <a:lnRef idx="1">
+            <a:schemeClr val="accent1"/>
+          </a:lnRef>
+          <a:fillRef idx="0">
+            <a:schemeClr val="accent1"/>
+          </a:fillRef>
+          <a:effectRef idx="0">
+            <a:schemeClr val="accent1"/>
+          </a:effectRef>
+          <a:fontRef idx="minor">
+            <a:schemeClr val="tx1"/>
+          </a:fontRef>
+        </p:style>
+      </p:cxnSp>
+      <p:cxnSp>
+        <p:nvCxnSpPr>
+          <p:cNvPr id="40" name="Straight Arrow Connector 39"/>
+          <p:cNvCxnSpPr>
+            <a:cxnSpLocks/>
+            <a:stCxn id="7" idx="2"/>
+            <a:endCxn id="26" idx="0"/>
+          </p:cNvCxnSpPr>
+          <p:nvPr/>
+        </p:nvCxnSpPr>
+        <p:spPr>
+          <a:xfrm>
+            <a:off x="3917475" y="3565014"/>
+            <a:ext cx="1213325" cy="549793"/>
+          </a:xfrm>
+          <a:prstGeom prst="straightConnector1">
+            <a:avLst/>
+          </a:prstGeom>
+          <a:ln>
+            <a:tailEnd type="triangle"/>
+          </a:ln>
+        </p:spPr>
+        <p:style>
+          <a:lnRef idx="1">
+            <a:schemeClr val="accent1"/>
+          </a:lnRef>
+          <a:fillRef idx="0">
+            <a:schemeClr val="accent1"/>
+          </a:fillRef>
+          <a:effectRef idx="0">
+            <a:schemeClr val="accent1"/>
+          </a:effectRef>
+          <a:fontRef idx="minor">
+            <a:schemeClr val="tx1"/>
+          </a:fontRef>
+        </p:style>
+      </p:cxnSp>
+      <p:cxnSp>
+        <p:nvCxnSpPr>
+          <p:cNvPr id="42" name="Straight Arrow Connector 41"/>
+          <p:cNvCxnSpPr>
+            <a:cxnSpLocks/>
+            <a:stCxn id="7" idx="2"/>
+            <a:endCxn id="8" idx="0"/>
+          </p:cNvCxnSpPr>
+          <p:nvPr/>
+        </p:nvCxnSpPr>
+        <p:spPr>
+          <a:xfrm flipH="1">
+            <a:off x="2761690" y="3565014"/>
+            <a:ext cx="1155785" cy="549793"/>
+          </a:xfrm>
+          <a:prstGeom prst="straightConnector1">
+            <a:avLst/>
+          </a:prstGeom>
+          <a:ln>
+            <a:tailEnd type="triangle"/>
+          </a:ln>
+        </p:spPr>
+        <p:style>
+          <a:lnRef idx="1">
+            <a:schemeClr val="accent1"/>
+          </a:lnRef>
+          <a:fillRef idx="0">
+            <a:schemeClr val="accent1"/>
+          </a:fillRef>
+          <a:effectRef idx="0">
+            <a:schemeClr val="accent1"/>
+          </a:effectRef>
+          <a:fontRef idx="minor">
+            <a:schemeClr val="tx1"/>
+          </a:fontRef>
+        </p:style>
+      </p:cxnSp>
+      <p:cxnSp>
+        <p:nvCxnSpPr>
+          <p:cNvPr id="60" name="Straight Arrow Connector 59"/>
+          <p:cNvCxnSpPr>
+            <a:stCxn id="5" idx="2"/>
+            <a:endCxn id="6" idx="0"/>
+          </p:cNvCxnSpPr>
+          <p:nvPr/>
+        </p:nvCxnSpPr>
+        <p:spPr>
+          <a:xfrm>
+            <a:off x="3910217" y="1981962"/>
+            <a:ext cx="7258" cy="332075"/>
+          </a:xfrm>
+          <a:prstGeom prst="straightConnector1">
+            <a:avLst/>
+          </a:prstGeom>
+          <a:ln>
+            <a:tailEnd type="triangle"/>
+          </a:ln>
+        </p:spPr>
+        <p:style>
+          <a:lnRef idx="1">
+            <a:schemeClr val="accent1"/>
+          </a:lnRef>
+          <a:fillRef idx="0">
+            <a:schemeClr val="accent1"/>
+          </a:fillRef>
+          <a:effectRef idx="0">
+            <a:schemeClr val="accent1"/>
+          </a:effectRef>
+          <a:fontRef idx="minor">
+            <a:schemeClr val="tx1"/>
+          </a:fontRef>
+        </p:style>
+      </p:cxnSp>
+    </p:spTree>
+    <p:extLst>
+      <p:ext uri="{BB962C8B-B14F-4D97-AF65-F5344CB8AC3E}">
+        <p14:creationId xmlns:p14="http://schemas.microsoft.com/office/powerpoint/2010/main" val="3725472144"/>
+      </p:ext>
+    </p:extLst>
+  </p:cSld>
+  <p:clrMapOvr>
+    <a:masterClrMapping/>
+  </p:clrMapOvr>
+</p:sld>
+</file>
+
+<file path=ppt/slides/slide3.xml><?xml version="1.0" encoding="utf-8"?>
+<p:sld xmlns:a="http://schemas.openxmlformats.org/drawingml/2006/main" xmlns:r="http://schemas.openxmlformats.org/officeDocument/2006/relationships" xmlns:p="http://schemas.openxmlformats.org/presentationml/2006/main">
+  <p:cSld>
+    <p:spTree>
+      <p:nvGrpSpPr>
+        <p:cNvPr id="1" name=""/>
+        <p:cNvGrpSpPr/>
+        <p:nvPr/>
+      </p:nvGrpSpPr>
+      <p:grpSpPr>
+        <a:xfrm>
+          <a:off x="0" y="0"/>
+          <a:ext cx="0" cy="0"/>
+          <a:chOff x="0" y="0"/>
+          <a:chExt cx="0" cy="0"/>
+        </a:xfrm>
+      </p:grpSpPr>
+      <p:sp>
+        <p:nvSpPr>
+          <p:cNvPr id="6" name="TextBox 5"/>
+          <p:cNvSpPr txBox="1"/>
+          <p:nvPr/>
+        </p:nvSpPr>
+        <p:spPr>
+          <a:xfrm>
+            <a:off x="457199" y="432487"/>
+            <a:ext cx="2903839" cy="2862322"/>
+          </a:xfrm>
+          <a:prstGeom prst="rect">
+            <a:avLst/>
+          </a:prstGeom>
+          <a:noFill/>
+        </p:spPr>
+        <p:txBody>
+          <a:bodyPr wrap="square" rtlCol="0">
+            <a:spAutoFit/>
+          </a:bodyPr>
+          <a:lstStyle/>
+          <a:p>
+            <a:r>
+              <a:rPr lang="en-US" dirty="0"/>
+              <a:t>Phòng ban:</a:t>
+            </a:r>
+          </a:p>
+          <a:p>
+            <a:pPr marL="285750" indent="-285750">
+              <a:buFontTx/>
+              <a:buChar char="-"/>
+            </a:pPr>
+            <a:r>
+              <a:rPr lang="en-US" dirty="0"/>
+              <a:t>Tạo đ</a:t>
+            </a:r>
+            <a:r>
+              <a:rPr lang="vi-VN" dirty="0"/>
+              <a:t>ơ</a:t>
+            </a:r>
+            <a:r>
+              <a:rPr lang="en-US" dirty="0"/>
+              <a:t>n</a:t>
+            </a:r>
+          </a:p>
+          <a:p>
+            <a:pPr marL="742950" lvl="1" indent="-285750">
+              <a:buFontTx/>
+              <a:buChar char="-"/>
+            </a:pPr>
+            <a:r>
+              <a:rPr lang="en-US" dirty="0"/>
+              <a:t>Tạo </a:t>
+            </a:r>
+            <a:r>
+              <a:rPr lang="en-US" dirty="0" err="1"/>
+              <a:t>mẫu</a:t>
+            </a:r>
+            <a:r>
+              <a:rPr lang="en-US" dirty="0"/>
+              <a:t> đ</a:t>
+            </a:r>
+            <a:r>
+              <a:rPr lang="vi-VN" dirty="0"/>
+              <a:t>ơ</a:t>
+            </a:r>
+            <a:r>
+              <a:rPr lang="en-US" dirty="0"/>
+              <a:t>n</a:t>
+            </a:r>
+          </a:p>
+          <a:p>
+            <a:pPr marL="742950" lvl="1" indent="-285750">
+              <a:buFontTx/>
+              <a:buChar char="-"/>
+            </a:pPr>
+            <a:r>
+              <a:rPr lang="en-US" dirty="0"/>
+              <a:t>Quy định thời gian</a:t>
+            </a:r>
+          </a:p>
+          <a:p>
+            <a:pPr marL="285750" indent="-285750">
+              <a:buFontTx/>
+              <a:buChar char="-"/>
+            </a:pPr>
+            <a:endParaRPr lang="en-US" dirty="0"/>
+          </a:p>
+          <a:p>
+            <a:pPr marL="285750" indent="-285750">
+              <a:buFontTx/>
+              <a:buChar char="-"/>
+            </a:pPr>
+            <a:r>
+              <a:rPr lang="en-US" dirty="0"/>
+              <a:t>Nhận đ</a:t>
+            </a:r>
+            <a:r>
+              <a:rPr lang="vi-VN" dirty="0"/>
+              <a:t>ơ</a:t>
+            </a:r>
+            <a:r>
+              <a:rPr lang="en-US" dirty="0"/>
+              <a:t>n</a:t>
+            </a:r>
+          </a:p>
+          <a:p>
+            <a:pPr marL="742950" lvl="1" indent="-285750">
+              <a:buFontTx/>
+              <a:buChar char="-"/>
+            </a:pPr>
+            <a:r>
+              <a:rPr lang="en-US" dirty="0"/>
+              <a:t>Nhận đ</a:t>
+            </a:r>
+            <a:r>
+              <a:rPr lang="vi-VN" dirty="0"/>
+              <a:t>ơ</a:t>
+            </a:r>
+            <a:r>
+              <a:rPr lang="en-US" dirty="0"/>
+              <a:t>n</a:t>
+            </a:r>
+          </a:p>
+          <a:p>
+            <a:pPr marL="742950" lvl="1" indent="-285750">
+              <a:buFontTx/>
+              <a:buChar char="-"/>
+            </a:pPr>
+            <a:r>
+              <a:rPr lang="en-US" dirty="0"/>
+              <a:t>Hẹn</a:t>
+            </a:r>
+          </a:p>
+          <a:p>
+            <a:pPr marL="742950" lvl="1" indent="-285750">
+              <a:buFontTx/>
+              <a:buChar char="-"/>
+            </a:pPr>
+            <a:r>
+              <a:rPr lang="en-US" dirty="0"/>
+              <a:t>Xử lý</a:t>
+            </a:r>
+          </a:p>
+          <a:p>
+            <a:pPr marL="742950" lvl="1" indent="-285750">
+              <a:buFontTx/>
+              <a:buChar char="-"/>
+            </a:pPr>
+            <a:r>
+              <a:rPr lang="en-US" dirty="0"/>
+              <a:t>Trả kết quả</a:t>
+            </a:r>
+          </a:p>
+        </p:txBody>
+      </p:sp>
+      <p:sp>
+        <p:nvSpPr>
+          <p:cNvPr id="8" name="TextBox 7"/>
+          <p:cNvSpPr txBox="1"/>
+          <p:nvPr/>
+        </p:nvSpPr>
+        <p:spPr>
+          <a:xfrm>
+            <a:off x="5165124" y="1087394"/>
+            <a:ext cx="2866768" cy="1477328"/>
+          </a:xfrm>
+          <a:prstGeom prst="rect">
+            <a:avLst/>
+          </a:prstGeom>
+          <a:noFill/>
+        </p:spPr>
+        <p:txBody>
+          <a:bodyPr wrap="square" rtlCol="0">
+            <a:spAutoFit/>
+          </a:bodyPr>
+          <a:lstStyle/>
+          <a:p>
+            <a:r>
+              <a:rPr lang="en-US" dirty="0"/>
+              <a:t>Ban </a:t>
+            </a:r>
+            <a:r>
+              <a:rPr lang="en-US" dirty="0" err="1"/>
+              <a:t>giám</a:t>
+            </a:r>
+            <a:r>
+              <a:rPr lang="en-US" dirty="0"/>
+              <a:t> </a:t>
+            </a:r>
+            <a:r>
+              <a:rPr lang="en-US" dirty="0" err="1"/>
+              <a:t>hiệu</a:t>
+            </a:r>
+            <a:r>
+              <a:rPr lang="en-US" dirty="0"/>
+              <a:t>:</a:t>
+            </a:r>
+          </a:p>
+          <a:p>
+            <a:pPr marL="285750" indent="-285750">
+              <a:buFontTx/>
+              <a:buChar char="-"/>
+            </a:pPr>
+            <a:r>
+              <a:rPr lang="en-US" dirty="0"/>
+              <a:t>Tạo, </a:t>
+            </a:r>
+            <a:r>
+              <a:rPr lang="en-US" dirty="0" err="1"/>
+              <a:t>quản</a:t>
+            </a:r>
+            <a:r>
+              <a:rPr lang="en-US" dirty="0"/>
+              <a:t> lý </a:t>
+            </a:r>
+            <a:r>
+              <a:rPr lang="en-US" dirty="0" err="1"/>
+              <a:t>phòng</a:t>
+            </a:r>
+            <a:r>
+              <a:rPr lang="en-US" dirty="0"/>
+              <a:t> ban</a:t>
+            </a:r>
+          </a:p>
+          <a:p>
+            <a:pPr marL="285750" indent="-285750">
+              <a:buFontTx/>
+              <a:buChar char="-"/>
+            </a:pPr>
+            <a:r>
+              <a:rPr lang="en-US" dirty="0" err="1"/>
+              <a:t>Và</a:t>
+            </a:r>
+            <a:r>
+              <a:rPr lang="en-US" dirty="0"/>
+              <a:t> </a:t>
+            </a:r>
+            <a:r>
+              <a:rPr lang="en-US" dirty="0" err="1"/>
+              <a:t>có</a:t>
+            </a:r>
+            <a:r>
+              <a:rPr lang="en-US" dirty="0"/>
+              <a:t> </a:t>
+            </a:r>
+            <a:r>
+              <a:rPr lang="en-US" dirty="0" err="1"/>
+              <a:t>thêm</a:t>
+            </a:r>
+            <a:r>
+              <a:rPr lang="en-US" dirty="0"/>
+              <a:t> </a:t>
+            </a:r>
+            <a:r>
+              <a:rPr lang="en-US" dirty="0" err="1"/>
+              <a:t>chức</a:t>
+            </a:r>
+            <a:r>
+              <a:rPr lang="en-US" dirty="0"/>
+              <a:t> </a:t>
+            </a:r>
+            <a:r>
+              <a:rPr lang="en-US" dirty="0" err="1"/>
+              <a:t>năng</a:t>
+            </a:r>
+            <a:r>
+              <a:rPr lang="en-US" dirty="0"/>
+              <a:t> </a:t>
+            </a:r>
+            <a:r>
+              <a:rPr lang="en-US" dirty="0" err="1"/>
+              <a:t>như</a:t>
+            </a:r>
+            <a:r>
+              <a:rPr lang="en-US" dirty="0"/>
+              <a:t> </a:t>
+            </a:r>
+            <a:r>
+              <a:rPr lang="en-US" dirty="0" err="1"/>
+              <a:t>phòng</a:t>
+            </a:r>
+            <a:r>
+              <a:rPr lang="en-US" dirty="0"/>
+              <a:t> ban.</a:t>
+            </a:r>
+          </a:p>
+          <a:p>
+            <a:pPr marL="285750" indent="-285750">
+              <a:buFontTx/>
+              <a:buChar char="-"/>
+            </a:pPr>
+            <a:endParaRPr lang="vi-VN" dirty="0"/>
+          </a:p>
+        </p:txBody>
+      </p:sp>
+      <p:sp>
+        <p:nvSpPr>
+          <p:cNvPr id="9" name="TextBox 8"/>
+          <p:cNvSpPr txBox="1"/>
+          <p:nvPr/>
+        </p:nvSpPr>
+        <p:spPr>
+          <a:xfrm>
+            <a:off x="1350080" y="3936706"/>
+            <a:ext cx="3015048" cy="3139321"/>
+          </a:xfrm>
+          <a:prstGeom prst="rect">
+            <a:avLst/>
+          </a:prstGeom>
+          <a:noFill/>
+        </p:spPr>
+        <p:txBody>
+          <a:bodyPr wrap="square" rtlCol="0">
+            <a:spAutoFit/>
+          </a:bodyPr>
+          <a:lstStyle/>
+          <a:p>
+            <a:r>
+              <a:rPr lang="en-US" dirty="0" err="1"/>
+              <a:t>Sinh</a:t>
+            </a:r>
+            <a:r>
+              <a:rPr lang="en-US" dirty="0"/>
+              <a:t> </a:t>
+            </a:r>
+            <a:r>
+              <a:rPr lang="en-US" dirty="0" err="1"/>
+              <a:t>viên</a:t>
+            </a:r>
+            <a:r>
+              <a:rPr lang="en-US" dirty="0"/>
+              <a:t>:</a:t>
+            </a:r>
+          </a:p>
+          <a:p>
+            <a:pPr marL="285750" indent="-285750">
+              <a:buFontTx/>
+              <a:buChar char="-"/>
+            </a:pPr>
+            <a:r>
+              <a:rPr lang="en-US" dirty="0" err="1"/>
+              <a:t>Tìm</a:t>
+            </a:r>
+            <a:r>
+              <a:rPr lang="en-US" dirty="0"/>
+              <a:t> </a:t>
+            </a:r>
+            <a:r>
+              <a:rPr lang="en-US" dirty="0" err="1"/>
+              <a:t>kiếm</a:t>
+            </a:r>
+            <a:r>
+              <a:rPr lang="en-US" dirty="0"/>
+              <a:t> </a:t>
+            </a:r>
+            <a:r>
+              <a:rPr lang="en-US" dirty="0" err="1"/>
+              <a:t>mẫu</a:t>
+            </a:r>
+            <a:r>
+              <a:rPr lang="en-US" dirty="0"/>
+              <a:t> đ</a:t>
+            </a:r>
+            <a:r>
+              <a:rPr lang="vi-VN" dirty="0"/>
+              <a:t>ơ</a:t>
+            </a:r>
+            <a:r>
+              <a:rPr lang="en-US" dirty="0"/>
+              <a:t>n</a:t>
+            </a:r>
+          </a:p>
+          <a:p>
+            <a:pPr marL="285750" indent="-285750">
+              <a:buFontTx/>
+              <a:buChar char="-"/>
+            </a:pPr>
+            <a:r>
+              <a:rPr lang="en-US" dirty="0" err="1"/>
+              <a:t>Điền</a:t>
+            </a:r>
+            <a:r>
+              <a:rPr lang="en-US" dirty="0"/>
+              <a:t> đ</a:t>
+            </a:r>
+            <a:r>
+              <a:rPr lang="vi-VN" dirty="0"/>
+              <a:t>ơ</a:t>
+            </a:r>
+            <a:r>
+              <a:rPr lang="en-US" dirty="0"/>
+              <a:t>n</a:t>
+            </a:r>
+          </a:p>
+          <a:p>
+            <a:pPr marL="285750" indent="-285750">
+              <a:buFontTx/>
+              <a:buChar char="-"/>
+            </a:pPr>
+            <a:r>
+              <a:rPr lang="en-US" dirty="0" err="1"/>
+              <a:t>Nộp</a:t>
+            </a:r>
+            <a:r>
+              <a:rPr lang="en-US" dirty="0"/>
+              <a:t> đ</a:t>
+            </a:r>
+            <a:r>
+              <a:rPr lang="vi-VN" dirty="0"/>
+              <a:t>ơ</a:t>
+            </a:r>
+            <a:r>
+              <a:rPr lang="en-US" dirty="0"/>
+              <a:t>n</a:t>
+            </a:r>
+          </a:p>
+          <a:p>
+            <a:pPr marL="285750" indent="-285750">
+              <a:buFontTx/>
+              <a:buChar char="-"/>
+            </a:pPr>
+            <a:r>
+              <a:rPr lang="en-US" dirty="0"/>
+              <a:t>Theo </a:t>
+            </a:r>
+            <a:r>
+              <a:rPr lang="en-US" dirty="0" err="1"/>
+              <a:t>dõi</a:t>
+            </a:r>
+            <a:r>
+              <a:rPr lang="en-US" dirty="0"/>
+              <a:t> </a:t>
+            </a:r>
+            <a:r>
+              <a:rPr lang="en-US" dirty="0" err="1"/>
+              <a:t>quá</a:t>
+            </a:r>
+            <a:r>
+              <a:rPr lang="en-US" dirty="0"/>
+              <a:t> </a:t>
+            </a:r>
+            <a:r>
+              <a:rPr lang="en-US" dirty="0" err="1"/>
+              <a:t>trình</a:t>
+            </a:r>
+            <a:r>
+              <a:rPr lang="en-US" dirty="0"/>
+              <a:t> xử lý đ</a:t>
+            </a:r>
+            <a:r>
+              <a:rPr lang="vi-VN" dirty="0"/>
+              <a:t>ơ</a:t>
+            </a:r>
+            <a:r>
+              <a:rPr lang="en-US" dirty="0"/>
+              <a:t>n</a:t>
+            </a:r>
+          </a:p>
+          <a:p>
+            <a:pPr marL="285750" indent="-285750">
+              <a:buFontTx/>
+              <a:buChar char="-"/>
+            </a:pPr>
+            <a:r>
+              <a:rPr lang="en-US" dirty="0"/>
+              <a:t>Nhận kết quả</a:t>
+            </a:r>
+          </a:p>
+          <a:p>
+            <a:pPr marL="742950" lvl="1" indent="-285750">
+              <a:buFontTx/>
+              <a:buChar char="-"/>
+            </a:pPr>
+            <a:r>
+              <a:rPr lang="en-US" dirty="0" err="1"/>
+              <a:t>Xác</a:t>
+            </a:r>
+            <a:r>
+              <a:rPr lang="en-US" dirty="0"/>
+              <a:t> </a:t>
+            </a:r>
+            <a:r>
+              <a:rPr lang="en-US" dirty="0" err="1"/>
+              <a:t>nhận</a:t>
+            </a:r>
+            <a:r>
+              <a:rPr lang="en-US" dirty="0"/>
+              <a:t> đ</a:t>
+            </a:r>
+            <a:r>
+              <a:rPr lang="vi-VN" dirty="0"/>
+              <a:t>ơ</a:t>
+            </a:r>
+            <a:r>
+              <a:rPr lang="en-US" dirty="0"/>
+              <a:t>n </a:t>
+            </a:r>
+            <a:r>
+              <a:rPr lang="en-US" dirty="0" err="1"/>
+              <a:t>đã</a:t>
+            </a:r>
+            <a:r>
+              <a:rPr lang="en-US" dirty="0"/>
+              <a:t> xử lý </a:t>
+            </a:r>
+            <a:r>
+              <a:rPr lang="en-US" dirty="0" err="1"/>
+              <a:t>xong</a:t>
+            </a:r>
+            <a:endParaRPr lang="en-US" dirty="0"/>
+          </a:p>
+          <a:p>
+            <a:pPr marL="742950" lvl="1" indent="-285750">
+              <a:buFontTx/>
+              <a:buChar char="-"/>
+            </a:pPr>
+            <a:r>
+              <a:rPr lang="en-US" dirty="0" err="1"/>
+              <a:t>Lên</a:t>
+            </a:r>
+            <a:r>
+              <a:rPr lang="en-US" dirty="0"/>
+              <a:t> </a:t>
+            </a:r>
+            <a:r>
+              <a:rPr lang="en-US" dirty="0" err="1"/>
+              <a:t>phòng</a:t>
+            </a:r>
+            <a:r>
+              <a:rPr lang="en-US" dirty="0"/>
+              <a:t> </a:t>
+            </a:r>
+            <a:r>
+              <a:rPr lang="en-US" dirty="0" err="1"/>
+              <a:t>nhận</a:t>
+            </a:r>
+            <a:r>
+              <a:rPr lang="en-US" dirty="0"/>
+              <a:t> kết quả.</a:t>
+            </a:r>
+          </a:p>
+        </p:txBody>
+      </p:sp>
+      <p:sp>
+        <p:nvSpPr>
+          <p:cNvPr id="7" name="TextBox 6"/>
+          <p:cNvSpPr txBox="1"/>
+          <p:nvPr/>
+        </p:nvSpPr>
+        <p:spPr>
+          <a:xfrm>
+            <a:off x="5369218" y="2564722"/>
+            <a:ext cx="3288553" cy="4939814"/>
+          </a:xfrm>
+          <a:prstGeom prst="rect">
+            <a:avLst/>
+          </a:prstGeom>
+          <a:noFill/>
+          <a:ln>
+            <a:solidFill>
+              <a:schemeClr val="accent2">
+                <a:lumMod val="60000"/>
+                <a:lumOff val="40000"/>
+              </a:schemeClr>
+            </a:solidFill>
+          </a:ln>
+        </p:spPr>
+        <p:txBody>
+          <a:bodyPr wrap="square" rtlCol="0">
+            <a:spAutoFit/>
+          </a:bodyPr>
+          <a:lstStyle/>
+          <a:p>
+            <a:pPr algn="just"/>
+            <a:r>
+              <a:rPr lang="vi-VN" sz="1500" b="1" dirty="0">
+                <a:latin typeface="+mj-lt"/>
+              </a:rPr>
+              <a:t>Quá trình hoạt động:</a:t>
+            </a:r>
+          </a:p>
+          <a:p>
+            <a:pPr algn="just"/>
+            <a:endParaRPr lang="vi-VN" sz="1500" b="1" dirty="0">
+              <a:latin typeface="+mj-lt"/>
+            </a:endParaRPr>
+          </a:p>
+          <a:p>
+            <a:pPr marL="285750" indent="-285750" algn="just">
+              <a:buFontTx/>
+              <a:buChar char="-"/>
+            </a:pPr>
+            <a:r>
+              <a:rPr lang="vi-VN" sz="1500" dirty="0">
+                <a:latin typeface="+mj-lt"/>
+              </a:rPr>
+              <a:t>Hệ thống sẽ có những mẫu đơn mà các phòng ban của trường ban hành.</a:t>
+            </a:r>
+          </a:p>
+          <a:p>
+            <a:pPr algn="just"/>
+            <a:endParaRPr lang="vi-VN" sz="1500" dirty="0">
+              <a:latin typeface="+mj-lt"/>
+            </a:endParaRPr>
+          </a:p>
+          <a:p>
+            <a:pPr marL="285750" indent="-285750" algn="just">
+              <a:buFontTx/>
+              <a:buChar char="-"/>
+            </a:pPr>
+            <a:r>
+              <a:rPr lang="vi-VN" sz="1500" dirty="0">
+                <a:latin typeface="+mj-lt"/>
+              </a:rPr>
+              <a:t>Sinh  viên đăng nhập, điền những mẫu đơn cần gửi, sau đó gửi lên hệ thống.</a:t>
+            </a:r>
+          </a:p>
+          <a:p>
+            <a:pPr algn="just"/>
+            <a:endParaRPr lang="vi-VN" sz="1500" dirty="0">
+              <a:latin typeface="+mj-lt"/>
+            </a:endParaRPr>
+          </a:p>
+          <a:p>
+            <a:pPr marL="285750" indent="-285750" algn="just">
+              <a:buFontTx/>
+              <a:buChar char="-"/>
+            </a:pPr>
+            <a:r>
+              <a:rPr lang="vi-VN" sz="1500" dirty="0">
+                <a:latin typeface="+mj-lt"/>
+              </a:rPr>
+              <a:t>Các phòng ban sẽ nhận được những mẫu đơn đăng kí của sinh viên và tiến hành cấp cho sinh viên và hẹn ngày sinh viên đến nhận.</a:t>
+            </a:r>
+          </a:p>
+          <a:p>
+            <a:pPr algn="just"/>
+            <a:endParaRPr lang="vi-VN" sz="1500" dirty="0">
+              <a:latin typeface="+mj-lt"/>
+            </a:endParaRPr>
+          </a:p>
+          <a:p>
+            <a:pPr marL="285750" indent="-285750" algn="just">
+              <a:buFontTx/>
+              <a:buChar char="-"/>
+            </a:pPr>
+            <a:r>
+              <a:rPr lang="vi-VN" sz="1500" dirty="0">
+                <a:latin typeface="+mj-lt"/>
+              </a:rPr>
+              <a:t>Đến ngày hẹn sinh viên đến đúng phòng ban đã yêu cầu và nhận đơn, hồ sơ,... mình cần.</a:t>
+            </a:r>
+          </a:p>
+          <a:p>
+            <a:pPr algn="just"/>
+            <a:endParaRPr lang="vi-VN" sz="1500" dirty="0">
+              <a:latin typeface="+mj-lt"/>
+            </a:endParaRPr>
+          </a:p>
+          <a:p>
+            <a:pPr marL="285750" indent="-285750" algn="just">
+              <a:buFontTx/>
+              <a:buChar char="-"/>
+            </a:pPr>
+            <a:r>
+              <a:rPr lang="vi-VN" sz="1500" dirty="0">
+                <a:latin typeface="+mj-lt"/>
+              </a:rPr>
+              <a:t>Hệ thống sẽ lưu lại những mẫu đơn sinh viên dùng cho những việc cần thiết sau này.</a:t>
+            </a:r>
+          </a:p>
+        </p:txBody>
+      </p:sp>
+    </p:spTree>
+    <p:extLst>
+      <p:ext uri="{BB962C8B-B14F-4D97-AF65-F5344CB8AC3E}">
+        <p14:creationId xmlns:p14="http://schemas.microsoft.com/office/powerpoint/2010/main" val="828521997"/>
+      </p:ext>
+    </p:extLst>
+  </p:cSld>
+  <p:clrMapOvr>
+    <a:masterClrMapping/>
+  </p:clrMapOvr>
+</p:sld>
+</file>
+
+<file path=ppt/slides/slide4.xml><?xml version="1.0" encoding="utf-8"?>
+<p:sld xmlns:a="http://schemas.openxmlformats.org/drawingml/2006/main" xmlns:r="http://schemas.openxmlformats.org/officeDocument/2006/relationships" xmlns:p="http://schemas.openxmlformats.org/presentationml/2006/main">
+  <p:cSld>
+    <p:spTree>
+      <p:nvGrpSpPr>
+        <p:cNvPr id="1" name=""/>
+        <p:cNvGrpSpPr/>
+        <p:nvPr/>
+      </p:nvGrpSpPr>
+      <p:grpSpPr>
+        <a:xfrm>
+          <a:off x="0" y="0"/>
+          <a:ext cx="0" cy="0"/>
+          <a:chOff x="0" y="0"/>
+          <a:chExt cx="0" cy="0"/>
+        </a:xfrm>
+      </p:grpSpPr>
+      <p:sp>
+        <p:nvSpPr>
+          <p:cNvPr id="11" name="Oval 10"/>
+          <p:cNvSpPr/>
+          <p:nvPr/>
+        </p:nvSpPr>
+        <p:spPr>
+          <a:xfrm>
+            <a:off x="1496473" y="1717695"/>
+            <a:ext cx="1743642" cy="499310"/>
+          </a:xfrm>
+          <a:prstGeom prst="ellipse">
+            <a:avLst/>
+          </a:prstGeom>
+          <a:solidFill>
+            <a:schemeClr val="accent6"/>
+          </a:solidFill>
+        </p:spPr>
+        <p:style>
+          <a:lnRef idx="2">
+            <a:schemeClr val="accent1">
+              <a:shade val="50000"/>
+            </a:schemeClr>
+          </a:lnRef>
+          <a:fillRef idx="1">
+            <a:schemeClr val="accent1"/>
+          </a:fillRef>
+          <a:effectRef idx="0">
+            <a:schemeClr val="accent1"/>
+          </a:effectRef>
+          <a:fontRef idx="minor">
+            <a:schemeClr val="lt1"/>
+          </a:fontRef>
+        </p:style>
+        <p:txBody>
+          <a:bodyPr rtlCol="0" anchor="ctr"/>
+          <a:lstStyle/>
+          <a:p>
+            <a:pPr algn="ctr"/>
+            <a:r>
+              <a:rPr lang="en-US" sz="1600" b="1" dirty="0">
+                <a:latin typeface="Times New Roman" panose="02020603050405020304" pitchFamily="18" charset="0"/>
+                <a:cs typeface="Times New Roman" panose="02020603050405020304" pitchFamily="18" charset="0"/>
+              </a:rPr>
+              <a:t>Phòng ban</a:t>
+            </a:r>
+            <a:endParaRPr lang="vi-VN" sz="1600" b="1" dirty="0">
+              <a:latin typeface="Times New Roman" panose="02020603050405020304" pitchFamily="18" charset="0"/>
+              <a:cs typeface="Times New Roman" panose="02020603050405020304" pitchFamily="18" charset="0"/>
+            </a:endParaRPr>
+          </a:p>
+        </p:txBody>
+      </p:sp>
+      <p:sp>
+        <p:nvSpPr>
+          <p:cNvPr id="12" name="Rectangle 11"/>
+          <p:cNvSpPr/>
+          <p:nvPr/>
+        </p:nvSpPr>
+        <p:spPr>
+          <a:xfrm>
+            <a:off x="2584866" y="2482240"/>
+            <a:ext cx="1247375" cy="456903"/>
+          </a:xfrm>
+          <a:prstGeom prst="rect">
+            <a:avLst/>
+          </a:prstGeom>
+          <a:solidFill>
+            <a:schemeClr val="accent6"/>
+          </a:solidFill>
+        </p:spPr>
+        <p:style>
+          <a:lnRef idx="2">
+            <a:schemeClr val="accent1">
+              <a:shade val="50000"/>
+            </a:schemeClr>
+          </a:lnRef>
+          <a:fillRef idx="1">
+            <a:schemeClr val="accent1"/>
+          </a:fillRef>
+          <a:effectRef idx="0">
+            <a:schemeClr val="accent1"/>
+          </a:effectRef>
+          <a:fontRef idx="minor">
+            <a:schemeClr val="lt1"/>
+          </a:fontRef>
+        </p:style>
+        <p:txBody>
+          <a:bodyPr rtlCol="0" anchor="ctr"/>
+          <a:lstStyle/>
+          <a:p>
+            <a:pPr algn="ctr"/>
+            <a:r>
+              <a:rPr lang="en-US" sz="1400" dirty="0">
+                <a:latin typeface="Times New Roman" panose="02020603050405020304" pitchFamily="18" charset="0"/>
+                <a:cs typeface="Times New Roman" panose="02020603050405020304" pitchFamily="18" charset="0"/>
+              </a:rPr>
+              <a:t>Nhận đ</a:t>
+            </a:r>
+            <a:r>
+              <a:rPr lang="vi-VN" sz="1400" dirty="0">
+                <a:latin typeface="Times New Roman" panose="02020603050405020304" pitchFamily="18" charset="0"/>
+                <a:cs typeface="Times New Roman" panose="02020603050405020304" pitchFamily="18" charset="0"/>
+              </a:rPr>
+              <a:t>ơ</a:t>
+            </a:r>
+            <a:r>
+              <a:rPr lang="en-US" sz="1400" dirty="0">
+                <a:latin typeface="Times New Roman" panose="02020603050405020304" pitchFamily="18" charset="0"/>
+                <a:cs typeface="Times New Roman" panose="02020603050405020304" pitchFamily="18" charset="0"/>
+              </a:rPr>
+              <a:t>n</a:t>
+            </a:r>
+            <a:endParaRPr lang="vi-VN" sz="1400" dirty="0">
+              <a:latin typeface="Times New Roman" panose="02020603050405020304" pitchFamily="18" charset="0"/>
+              <a:cs typeface="Times New Roman" panose="02020603050405020304" pitchFamily="18" charset="0"/>
+            </a:endParaRPr>
+          </a:p>
+        </p:txBody>
+      </p:sp>
+      <p:sp>
+        <p:nvSpPr>
+          <p:cNvPr id="13" name="Rectangle 12"/>
+          <p:cNvSpPr/>
+          <p:nvPr/>
+        </p:nvSpPr>
+        <p:spPr>
+          <a:xfrm>
+            <a:off x="904347" y="2482240"/>
+            <a:ext cx="1247375" cy="456903"/>
+          </a:xfrm>
+          <a:prstGeom prst="rect">
+            <a:avLst/>
+          </a:prstGeom>
+          <a:solidFill>
+            <a:schemeClr val="accent6"/>
+          </a:solidFill>
+        </p:spPr>
+        <p:style>
+          <a:lnRef idx="2">
+            <a:schemeClr val="accent1">
+              <a:shade val="50000"/>
+            </a:schemeClr>
+          </a:lnRef>
+          <a:fillRef idx="1">
+            <a:schemeClr val="accent1"/>
+          </a:fillRef>
+          <a:effectRef idx="0">
+            <a:schemeClr val="accent1"/>
+          </a:effectRef>
+          <a:fontRef idx="minor">
+            <a:schemeClr val="lt1"/>
+          </a:fontRef>
+        </p:style>
+        <p:txBody>
+          <a:bodyPr rtlCol="0" anchor="ctr"/>
+          <a:lstStyle/>
+          <a:p>
+            <a:pPr algn="ctr"/>
+            <a:r>
+              <a:rPr lang="en-US" sz="1400" dirty="0">
+                <a:latin typeface="Times New Roman" panose="02020603050405020304" pitchFamily="18" charset="0"/>
+                <a:cs typeface="Times New Roman" panose="02020603050405020304" pitchFamily="18" charset="0"/>
+              </a:rPr>
+              <a:t>Tạo đ</a:t>
+            </a:r>
+            <a:r>
+              <a:rPr lang="vi-VN" sz="1400" dirty="0">
+                <a:latin typeface="Times New Roman" panose="02020603050405020304" pitchFamily="18" charset="0"/>
+                <a:cs typeface="Times New Roman" panose="02020603050405020304" pitchFamily="18" charset="0"/>
+              </a:rPr>
+              <a:t>ơ</a:t>
+            </a:r>
+            <a:r>
+              <a:rPr lang="en-US" sz="1400" dirty="0">
+                <a:latin typeface="Times New Roman" panose="02020603050405020304" pitchFamily="18" charset="0"/>
+                <a:cs typeface="Times New Roman" panose="02020603050405020304" pitchFamily="18" charset="0"/>
+              </a:rPr>
+              <a:t>n</a:t>
+            </a:r>
+            <a:endParaRPr lang="vi-VN" sz="1400" dirty="0">
+              <a:latin typeface="Times New Roman" panose="02020603050405020304" pitchFamily="18" charset="0"/>
+              <a:cs typeface="Times New Roman" panose="02020603050405020304" pitchFamily="18" charset="0"/>
+            </a:endParaRPr>
+          </a:p>
+        </p:txBody>
+      </p:sp>
+      <p:cxnSp>
+        <p:nvCxnSpPr>
+          <p:cNvPr id="14" name="Straight Arrow Connector 13"/>
+          <p:cNvCxnSpPr>
+            <a:cxnSpLocks/>
+            <a:stCxn id="11" idx="4"/>
+            <a:endCxn id="13" idx="0"/>
+          </p:cNvCxnSpPr>
+          <p:nvPr/>
+        </p:nvCxnSpPr>
+        <p:spPr>
+          <a:xfrm flipH="1">
+            <a:off x="1528035" y="2217005"/>
+            <a:ext cx="840259" cy="265235"/>
+          </a:xfrm>
+          <a:prstGeom prst="straightConnector1">
+            <a:avLst/>
+          </a:prstGeom>
+          <a:ln>
+            <a:tailEnd type="triangle"/>
+          </a:ln>
+        </p:spPr>
+        <p:style>
+          <a:lnRef idx="1">
+            <a:schemeClr val="accent1"/>
+          </a:lnRef>
+          <a:fillRef idx="0">
+            <a:schemeClr val="accent1"/>
+          </a:fillRef>
+          <a:effectRef idx="0">
+            <a:schemeClr val="accent1"/>
+          </a:effectRef>
+          <a:fontRef idx="minor">
+            <a:schemeClr val="tx1"/>
+          </a:fontRef>
+        </p:style>
+      </p:cxnSp>
+      <p:cxnSp>
+        <p:nvCxnSpPr>
+          <p:cNvPr id="15" name="Straight Arrow Connector 14"/>
+          <p:cNvCxnSpPr>
+            <a:cxnSpLocks/>
+            <a:stCxn id="11" idx="4"/>
+            <a:endCxn id="12" idx="0"/>
+          </p:cNvCxnSpPr>
+          <p:nvPr/>
+        </p:nvCxnSpPr>
+        <p:spPr>
+          <a:xfrm>
+            <a:off x="2368294" y="2217005"/>
+            <a:ext cx="840260" cy="265235"/>
+          </a:xfrm>
+          <a:prstGeom prst="straightConnector1">
+            <a:avLst/>
+          </a:prstGeom>
+          <a:ln>
+            <a:tailEnd type="triangle"/>
+          </a:ln>
+        </p:spPr>
+        <p:style>
+          <a:lnRef idx="1">
+            <a:schemeClr val="accent1"/>
+          </a:lnRef>
+          <a:fillRef idx="0">
+            <a:schemeClr val="accent1"/>
+          </a:fillRef>
+          <a:effectRef idx="0">
+            <a:schemeClr val="accent1"/>
+          </a:effectRef>
+          <a:fontRef idx="minor">
+            <a:schemeClr val="tx1"/>
+          </a:fontRef>
+        </p:style>
+      </p:cxnSp>
+      <p:sp>
+        <p:nvSpPr>
+          <p:cNvPr id="18" name="Rectangle 17"/>
+          <p:cNvSpPr/>
+          <p:nvPr/>
+        </p:nvSpPr>
+        <p:spPr>
+          <a:xfrm>
+            <a:off x="904347" y="3280027"/>
+            <a:ext cx="1247375" cy="496737"/>
+          </a:xfrm>
+          <a:prstGeom prst="rect">
+            <a:avLst/>
+          </a:prstGeom>
+          <a:solidFill>
+            <a:schemeClr val="accent6"/>
+          </a:solidFill>
+        </p:spPr>
+        <p:style>
+          <a:lnRef idx="2">
+            <a:schemeClr val="accent1">
+              <a:shade val="50000"/>
+            </a:schemeClr>
+          </a:lnRef>
+          <a:fillRef idx="1">
+            <a:schemeClr val="accent1"/>
+          </a:fillRef>
+          <a:effectRef idx="0">
+            <a:schemeClr val="accent1"/>
+          </a:effectRef>
+          <a:fontRef idx="minor">
+            <a:schemeClr val="lt1"/>
+          </a:fontRef>
+        </p:style>
+        <p:txBody>
+          <a:bodyPr rtlCol="0" anchor="ctr"/>
+          <a:lstStyle/>
+          <a:p>
+            <a:pPr algn="ctr"/>
+            <a:r>
+              <a:rPr lang="en-US" sz="1400" dirty="0">
+                <a:latin typeface="Times New Roman" panose="02020603050405020304" pitchFamily="18" charset="0"/>
+                <a:cs typeface="Times New Roman" panose="02020603050405020304" pitchFamily="18" charset="0"/>
+              </a:rPr>
+              <a:t>Quy định thời gian </a:t>
+            </a:r>
+            <a:endParaRPr lang="vi-VN" sz="1400" dirty="0">
+              <a:latin typeface="Times New Roman" panose="02020603050405020304" pitchFamily="18" charset="0"/>
+              <a:cs typeface="Times New Roman" panose="02020603050405020304" pitchFamily="18" charset="0"/>
+            </a:endParaRPr>
+          </a:p>
+        </p:txBody>
+      </p:sp>
+      <p:sp>
+        <p:nvSpPr>
+          <p:cNvPr id="19" name="Rectangle 18"/>
+          <p:cNvSpPr/>
+          <p:nvPr/>
+        </p:nvSpPr>
+        <p:spPr>
+          <a:xfrm>
+            <a:off x="2584865" y="3280026"/>
+            <a:ext cx="1247375" cy="496737"/>
+          </a:xfrm>
+          <a:prstGeom prst="rect">
+            <a:avLst/>
+          </a:prstGeom>
+          <a:solidFill>
+            <a:schemeClr val="accent6"/>
+          </a:solidFill>
+        </p:spPr>
+        <p:style>
+          <a:lnRef idx="2">
+            <a:schemeClr val="accent1">
+              <a:shade val="50000"/>
+            </a:schemeClr>
+          </a:lnRef>
+          <a:fillRef idx="1">
+            <a:schemeClr val="accent1"/>
+          </a:fillRef>
+          <a:effectRef idx="0">
+            <a:schemeClr val="accent1"/>
+          </a:effectRef>
+          <a:fontRef idx="minor">
+            <a:schemeClr val="lt1"/>
+          </a:fontRef>
+        </p:style>
+        <p:txBody>
+          <a:bodyPr rtlCol="0" anchor="ctr"/>
+          <a:lstStyle/>
+          <a:p>
+            <a:pPr algn="ctr"/>
+            <a:r>
+              <a:rPr lang="en-US" sz="1400" dirty="0">
+                <a:latin typeface="Times New Roman" panose="02020603050405020304" pitchFamily="18" charset="0"/>
+                <a:cs typeface="Times New Roman" panose="02020603050405020304" pitchFamily="18" charset="0"/>
+              </a:rPr>
+              <a:t>Hẹn thời gian xử lý</a:t>
+            </a:r>
+            <a:endParaRPr lang="vi-VN" sz="1400" dirty="0">
+              <a:latin typeface="Times New Roman" panose="02020603050405020304" pitchFamily="18" charset="0"/>
+              <a:cs typeface="Times New Roman" panose="02020603050405020304" pitchFamily="18" charset="0"/>
+            </a:endParaRPr>
+          </a:p>
+        </p:txBody>
+      </p:sp>
+      <p:sp>
+        <p:nvSpPr>
+          <p:cNvPr id="22" name="Rectangle 21"/>
+          <p:cNvSpPr/>
+          <p:nvPr/>
+        </p:nvSpPr>
+        <p:spPr>
+          <a:xfrm>
+            <a:off x="3446378" y="5059113"/>
+            <a:ext cx="1247375" cy="492658"/>
+          </a:xfrm>
+          <a:prstGeom prst="rect">
+            <a:avLst/>
+          </a:prstGeom>
+          <a:solidFill>
+            <a:schemeClr val="accent6"/>
+          </a:solidFill>
+        </p:spPr>
+        <p:style>
+          <a:lnRef idx="2">
+            <a:schemeClr val="accent1">
+              <a:shade val="50000"/>
+            </a:schemeClr>
+          </a:lnRef>
+          <a:fillRef idx="1">
+            <a:schemeClr val="accent1"/>
+          </a:fillRef>
+          <a:effectRef idx="0">
+            <a:schemeClr val="accent1"/>
+          </a:effectRef>
+          <a:fontRef idx="minor">
+            <a:schemeClr val="lt1"/>
+          </a:fontRef>
+        </p:style>
+        <p:txBody>
+          <a:bodyPr rtlCol="0" anchor="ctr"/>
+          <a:lstStyle/>
+          <a:p>
+            <a:pPr algn="ctr"/>
+            <a:r>
+              <a:rPr lang="en-US" sz="1400" dirty="0">
+                <a:latin typeface="Times New Roman" panose="02020603050405020304" pitchFamily="18" charset="0"/>
+                <a:cs typeface="Times New Roman" panose="02020603050405020304" pitchFamily="18" charset="0"/>
+              </a:rPr>
+              <a:t>Chuyển đ</a:t>
+            </a:r>
+            <a:r>
+              <a:rPr lang="vi-VN" sz="1400" dirty="0">
+                <a:latin typeface="Times New Roman" panose="02020603050405020304" pitchFamily="18" charset="0"/>
+                <a:cs typeface="Times New Roman" panose="02020603050405020304" pitchFamily="18" charset="0"/>
+              </a:rPr>
+              <a:t>ơ</a:t>
+            </a:r>
+            <a:r>
+              <a:rPr lang="en-US" sz="1400" dirty="0">
+                <a:latin typeface="Times New Roman" panose="02020603050405020304" pitchFamily="18" charset="0"/>
+                <a:cs typeface="Times New Roman" panose="02020603050405020304" pitchFamily="18" charset="0"/>
+              </a:rPr>
+              <a:t>n</a:t>
+            </a:r>
+            <a:endParaRPr lang="vi-VN" sz="1400" dirty="0">
+              <a:latin typeface="Times New Roman" panose="02020603050405020304" pitchFamily="18" charset="0"/>
+              <a:cs typeface="Times New Roman" panose="02020603050405020304" pitchFamily="18" charset="0"/>
+            </a:endParaRPr>
+          </a:p>
+        </p:txBody>
+      </p:sp>
+      <p:sp>
+        <p:nvSpPr>
+          <p:cNvPr id="24" name="Rectangle 23"/>
+          <p:cNvSpPr/>
+          <p:nvPr/>
+        </p:nvSpPr>
+        <p:spPr>
+          <a:xfrm>
+            <a:off x="1744606" y="5059113"/>
+            <a:ext cx="1247375" cy="492658"/>
+          </a:xfrm>
+          <a:prstGeom prst="rect">
+            <a:avLst/>
+          </a:prstGeom>
+          <a:solidFill>
+            <a:schemeClr val="accent6"/>
+          </a:solidFill>
+        </p:spPr>
+        <p:style>
+          <a:lnRef idx="2">
+            <a:schemeClr val="accent1">
+              <a:shade val="50000"/>
+            </a:schemeClr>
+          </a:lnRef>
+          <a:fillRef idx="1">
+            <a:schemeClr val="accent1"/>
+          </a:fillRef>
+          <a:effectRef idx="0">
+            <a:schemeClr val="accent1"/>
+          </a:effectRef>
+          <a:fontRef idx="minor">
+            <a:schemeClr val="lt1"/>
+          </a:fontRef>
+        </p:style>
+        <p:txBody>
+          <a:bodyPr rtlCol="0" anchor="ctr"/>
+          <a:lstStyle/>
+          <a:p>
+            <a:pPr algn="ctr"/>
+            <a:r>
+              <a:rPr lang="en-US" sz="1400" dirty="0">
+                <a:latin typeface="Times New Roman" panose="02020603050405020304" pitchFamily="18" charset="0"/>
+                <a:cs typeface="Times New Roman" panose="02020603050405020304" pitchFamily="18" charset="0"/>
+              </a:rPr>
+              <a:t>Trả kết quả</a:t>
+            </a:r>
+            <a:endParaRPr lang="vi-VN" sz="1400" dirty="0">
+              <a:latin typeface="Times New Roman" panose="02020603050405020304" pitchFamily="18" charset="0"/>
+              <a:cs typeface="Times New Roman" panose="02020603050405020304" pitchFamily="18" charset="0"/>
+            </a:endParaRPr>
+          </a:p>
+        </p:txBody>
+      </p:sp>
+      <p:sp>
+        <p:nvSpPr>
+          <p:cNvPr id="25" name="Flowchart: Decision 24"/>
+          <p:cNvSpPr/>
+          <p:nvPr/>
+        </p:nvSpPr>
+        <p:spPr>
+          <a:xfrm>
+            <a:off x="2584865" y="3944025"/>
+            <a:ext cx="1247375" cy="542439"/>
+          </a:xfrm>
+          <a:prstGeom prst="flowChartDecision">
+            <a:avLst/>
+          </a:prstGeom>
+          <a:solidFill>
+            <a:schemeClr val="accent6"/>
+          </a:solidFill>
+        </p:spPr>
+        <p:style>
+          <a:lnRef idx="2">
+            <a:schemeClr val="accent1">
+              <a:shade val="50000"/>
+            </a:schemeClr>
+          </a:lnRef>
+          <a:fillRef idx="1">
+            <a:schemeClr val="accent1"/>
+          </a:fillRef>
+          <a:effectRef idx="0">
+            <a:schemeClr val="accent1"/>
+          </a:effectRef>
+          <a:fontRef idx="minor">
+            <a:schemeClr val="lt1"/>
+          </a:fontRef>
+        </p:style>
+        <p:txBody>
+          <a:bodyPr rtlCol="0" anchor="ctr"/>
+          <a:lstStyle/>
+          <a:p>
+            <a:pPr algn="ctr"/>
+            <a:r>
+              <a:rPr lang="en-US" sz="1400" dirty="0">
+                <a:latin typeface="Times New Roman" panose="02020603050405020304" pitchFamily="18" charset="0"/>
+                <a:cs typeface="Times New Roman" panose="02020603050405020304" pitchFamily="18" charset="0"/>
+              </a:rPr>
+              <a:t>Xử lý</a:t>
+            </a:r>
+            <a:endParaRPr lang="vi-VN" sz="1400" dirty="0">
+              <a:latin typeface="Times New Roman" panose="02020603050405020304" pitchFamily="18" charset="0"/>
+              <a:cs typeface="Times New Roman" panose="02020603050405020304" pitchFamily="18" charset="0"/>
+            </a:endParaRPr>
+          </a:p>
+        </p:txBody>
+      </p:sp>
+      <p:cxnSp>
+        <p:nvCxnSpPr>
+          <p:cNvPr id="27" name="Straight Arrow Connector 26"/>
+          <p:cNvCxnSpPr>
+            <a:cxnSpLocks/>
+            <a:stCxn id="13" idx="2"/>
+            <a:endCxn id="18" idx="0"/>
+          </p:cNvCxnSpPr>
+          <p:nvPr/>
+        </p:nvCxnSpPr>
+        <p:spPr>
+          <a:xfrm>
+            <a:off x="1528035" y="2939143"/>
+            <a:ext cx="0" cy="340884"/>
+          </a:xfrm>
+          <a:prstGeom prst="straightConnector1">
+            <a:avLst/>
+          </a:prstGeom>
+          <a:ln>
+            <a:tailEnd type="triangle"/>
+          </a:ln>
+        </p:spPr>
+        <p:style>
+          <a:lnRef idx="1">
+            <a:schemeClr val="accent1"/>
+          </a:lnRef>
+          <a:fillRef idx="0">
+            <a:schemeClr val="accent1"/>
+          </a:fillRef>
+          <a:effectRef idx="0">
+            <a:schemeClr val="accent1"/>
+          </a:effectRef>
+          <a:fontRef idx="minor">
+            <a:schemeClr val="tx1"/>
+          </a:fontRef>
+        </p:style>
+      </p:cxnSp>
+      <p:cxnSp>
+        <p:nvCxnSpPr>
+          <p:cNvPr id="29" name="Straight Arrow Connector 28"/>
+          <p:cNvCxnSpPr>
+            <a:cxnSpLocks/>
+            <a:stCxn id="12" idx="2"/>
+            <a:endCxn id="19" idx="0"/>
+          </p:cNvCxnSpPr>
+          <p:nvPr/>
+        </p:nvCxnSpPr>
+        <p:spPr>
+          <a:xfrm flipH="1">
+            <a:off x="3208553" y="2939143"/>
+            <a:ext cx="1" cy="340883"/>
+          </a:xfrm>
+          <a:prstGeom prst="straightConnector1">
+            <a:avLst/>
+          </a:prstGeom>
+          <a:ln>
+            <a:tailEnd type="triangle"/>
+          </a:ln>
+        </p:spPr>
+        <p:style>
+          <a:lnRef idx="1">
+            <a:schemeClr val="accent1"/>
+          </a:lnRef>
+          <a:fillRef idx="0">
+            <a:schemeClr val="accent1"/>
+          </a:fillRef>
+          <a:effectRef idx="0">
+            <a:schemeClr val="accent1"/>
+          </a:effectRef>
+          <a:fontRef idx="minor">
+            <a:schemeClr val="tx1"/>
+          </a:fontRef>
+        </p:style>
+      </p:cxnSp>
+      <p:cxnSp>
+        <p:nvCxnSpPr>
+          <p:cNvPr id="32" name="Straight Arrow Connector 31"/>
+          <p:cNvCxnSpPr>
+            <a:cxnSpLocks/>
+            <a:stCxn id="25" idx="1"/>
+            <a:endCxn id="24" idx="0"/>
+          </p:cNvCxnSpPr>
+          <p:nvPr/>
+        </p:nvCxnSpPr>
+        <p:spPr>
+          <a:xfrm flipH="1">
+            <a:off x="2368294" y="4215245"/>
+            <a:ext cx="216571" cy="843868"/>
+          </a:xfrm>
+          <a:prstGeom prst="straightConnector1">
+            <a:avLst/>
+          </a:prstGeom>
+          <a:ln>
+            <a:tailEnd type="triangle"/>
+          </a:ln>
+        </p:spPr>
+        <p:style>
+          <a:lnRef idx="1">
+            <a:schemeClr val="accent1"/>
+          </a:lnRef>
+          <a:fillRef idx="0">
+            <a:schemeClr val="accent1"/>
+          </a:fillRef>
+          <a:effectRef idx="0">
+            <a:schemeClr val="accent1"/>
+          </a:effectRef>
+          <a:fontRef idx="minor">
+            <a:schemeClr val="tx1"/>
+          </a:fontRef>
+        </p:style>
+      </p:cxnSp>
+      <p:cxnSp>
+        <p:nvCxnSpPr>
+          <p:cNvPr id="34" name="Straight Arrow Connector 33"/>
+          <p:cNvCxnSpPr>
+            <a:cxnSpLocks/>
+            <a:stCxn id="25" idx="3"/>
+            <a:endCxn id="22" idx="0"/>
+          </p:cNvCxnSpPr>
+          <p:nvPr/>
+        </p:nvCxnSpPr>
+        <p:spPr>
+          <a:xfrm>
+            <a:off x="3832240" y="4215245"/>
+            <a:ext cx="237826" cy="843868"/>
+          </a:xfrm>
+          <a:prstGeom prst="straightConnector1">
+            <a:avLst/>
+          </a:prstGeom>
+          <a:ln>
+            <a:tailEnd type="triangle"/>
+          </a:ln>
+        </p:spPr>
+        <p:style>
+          <a:lnRef idx="1">
+            <a:schemeClr val="accent1"/>
+          </a:lnRef>
+          <a:fillRef idx="0">
+            <a:schemeClr val="accent1"/>
+          </a:fillRef>
+          <a:effectRef idx="0">
+            <a:schemeClr val="accent1"/>
+          </a:effectRef>
+          <a:fontRef idx="minor">
+            <a:schemeClr val="tx1"/>
+          </a:fontRef>
+        </p:style>
+      </p:cxnSp>
+      <p:cxnSp>
+        <p:nvCxnSpPr>
+          <p:cNvPr id="36" name="Straight Arrow Connector 35"/>
+          <p:cNvCxnSpPr>
+            <a:cxnSpLocks/>
+            <a:stCxn id="19" idx="2"/>
+            <a:endCxn id="25" idx="0"/>
+          </p:cNvCxnSpPr>
+          <p:nvPr/>
+        </p:nvCxnSpPr>
+        <p:spPr>
+          <a:xfrm>
+            <a:off x="3208553" y="3776763"/>
+            <a:ext cx="0" cy="167262"/>
+          </a:xfrm>
+          <a:prstGeom prst="straightConnector1">
+            <a:avLst/>
+          </a:prstGeom>
+          <a:ln>
+            <a:tailEnd type="triangle"/>
+          </a:ln>
+        </p:spPr>
+        <p:style>
+          <a:lnRef idx="1">
+            <a:schemeClr val="accent1"/>
+          </a:lnRef>
+          <a:fillRef idx="0">
+            <a:schemeClr val="accent1"/>
+          </a:fillRef>
+          <a:effectRef idx="0">
+            <a:schemeClr val="accent1"/>
+          </a:effectRef>
+          <a:fontRef idx="minor">
+            <a:schemeClr val="tx1"/>
+          </a:fontRef>
+        </p:style>
+      </p:cxnSp>
+      <p:sp>
+        <p:nvSpPr>
+          <p:cNvPr id="38" name="TextBox 37"/>
+          <p:cNvSpPr txBox="1"/>
+          <p:nvPr/>
+        </p:nvSpPr>
+        <p:spPr>
+          <a:xfrm rot="4420920">
+            <a:off x="3662620" y="4428492"/>
+            <a:ext cx="935532" cy="347434"/>
+          </a:xfrm>
+          <a:prstGeom prst="rect">
+            <a:avLst/>
+          </a:prstGeom>
+          <a:noFill/>
+        </p:spPr>
+        <p:txBody>
+          <a:bodyPr wrap="square" rtlCol="0">
+            <a:spAutoFit/>
+          </a:bodyPr>
+          <a:lstStyle/>
+          <a:p>
+            <a:r>
+              <a:rPr lang="en-US" sz="1600" dirty="0">
+                <a:latin typeface="Times New Roman" panose="02020603050405020304" pitchFamily="18" charset="0"/>
+                <a:cs typeface="Times New Roman" panose="02020603050405020304" pitchFamily="18" charset="0"/>
+              </a:rPr>
+              <a:t>Thất bại</a:t>
+            </a:r>
+            <a:endParaRPr lang="vi-VN" sz="1600" dirty="0">
+              <a:latin typeface="Times New Roman" panose="02020603050405020304" pitchFamily="18" charset="0"/>
+              <a:cs typeface="Times New Roman" panose="02020603050405020304" pitchFamily="18" charset="0"/>
+            </a:endParaRPr>
+          </a:p>
+        </p:txBody>
+      </p:sp>
+      <p:sp>
+        <p:nvSpPr>
+          <p:cNvPr id="39" name="TextBox 38"/>
+          <p:cNvSpPr txBox="1"/>
+          <p:nvPr/>
+        </p:nvSpPr>
+        <p:spPr>
+          <a:xfrm rot="17021983">
+            <a:off x="1804102" y="4443223"/>
+            <a:ext cx="1075715" cy="317973"/>
+          </a:xfrm>
+          <a:prstGeom prst="rect">
+            <a:avLst/>
+          </a:prstGeom>
+          <a:noFill/>
+        </p:spPr>
+        <p:txBody>
+          <a:bodyPr wrap="square" rtlCol="0">
+            <a:spAutoFit/>
+          </a:bodyPr>
+          <a:lstStyle/>
+          <a:p>
+            <a:r>
+              <a:rPr lang="en-US" sz="1400" dirty="0">
+                <a:latin typeface="Times New Roman" panose="02020603050405020304" pitchFamily="18" charset="0"/>
+                <a:cs typeface="Times New Roman" panose="02020603050405020304" pitchFamily="18" charset="0"/>
+              </a:rPr>
+              <a:t>Thành công</a:t>
+            </a:r>
+            <a:endParaRPr lang="vi-VN" sz="1400" dirty="0">
+              <a:latin typeface="Times New Roman" panose="02020603050405020304" pitchFamily="18" charset="0"/>
+              <a:cs typeface="Times New Roman" panose="02020603050405020304" pitchFamily="18" charset="0"/>
+            </a:endParaRPr>
+          </a:p>
+        </p:txBody>
+      </p:sp>
+    </p:spTree>
+    <p:extLst>
+      <p:ext uri="{BB962C8B-B14F-4D97-AF65-F5344CB8AC3E}">
+        <p14:creationId xmlns:p14="http://schemas.microsoft.com/office/powerpoint/2010/main" val="475433783"/>
+      </p:ext>
+    </p:extLst>
+  </p:cSld>
+  <p:clrMapOvr>
+    <a:masterClrMapping/>
+  </p:clrMapOvr>
+</p:sld>
+</file>
+
+<file path=ppt/slides/slide5.xml><?xml version="1.0" encoding="utf-8"?>
+<p:sld xmlns:a="http://schemas.openxmlformats.org/drawingml/2006/main" xmlns:r="http://schemas.openxmlformats.org/officeDocument/2006/relationships" xmlns:p="http://schemas.openxmlformats.org/presentationml/2006/main">
+  <p:cSld>
+    <p:spTree>
+      <p:nvGrpSpPr>
+        <p:cNvPr id="1" name=""/>
+        <p:cNvGrpSpPr/>
+        <p:nvPr/>
+      </p:nvGrpSpPr>
+      <p:grpSpPr>
+        <a:xfrm>
+          <a:off x="0" y="0"/>
+          <a:ext cx="0" cy="0"/>
+          <a:chOff x="0" y="0"/>
+          <a:chExt cx="0" cy="0"/>
+        </a:xfrm>
+      </p:grpSpPr>
+      <p:sp>
+        <p:nvSpPr>
+          <p:cNvPr id="2" name="Oval 1"/>
+          <p:cNvSpPr/>
+          <p:nvPr/>
+        </p:nvSpPr>
+        <p:spPr>
+          <a:xfrm>
+            <a:off x="757881" y="6742152"/>
+            <a:ext cx="2141839" cy="486548"/>
+          </a:xfrm>
+          <a:prstGeom prst="ellipse">
+            <a:avLst/>
+          </a:prstGeom>
+          <a:solidFill>
+            <a:srgbClr val="F34141"/>
+          </a:solidFill>
+        </p:spPr>
+        <p:style>
+          <a:lnRef idx="2">
+            <a:schemeClr val="accent1">
+              <a:shade val="50000"/>
+            </a:schemeClr>
+          </a:lnRef>
+          <a:fillRef idx="1">
+            <a:schemeClr val="accent1"/>
+          </a:fillRef>
+          <a:effectRef idx="0">
+            <a:schemeClr val="accent1"/>
+          </a:effectRef>
+          <a:fontRef idx="minor">
+            <a:schemeClr val="lt1"/>
+          </a:fontRef>
+        </p:style>
+        <p:txBody>
+          <a:bodyPr rtlCol="0" anchor="ctr"/>
+          <a:lstStyle/>
+          <a:p>
+            <a:pPr algn="ctr"/>
+            <a:r>
+              <a:rPr lang="en-US" sz="1600" b="1" dirty="0">
+                <a:latin typeface="Times New Roman" panose="02020603050405020304" pitchFamily="18" charset="0"/>
+                <a:cs typeface="Times New Roman" panose="02020603050405020304" pitchFamily="18" charset="0"/>
+              </a:rPr>
+              <a:t>Ban </a:t>
+            </a:r>
+            <a:r>
+              <a:rPr lang="en-US" sz="1600" b="1" dirty="0" err="1">
+                <a:latin typeface="Times New Roman" panose="02020603050405020304" pitchFamily="18" charset="0"/>
+                <a:cs typeface="Times New Roman" panose="02020603050405020304" pitchFamily="18" charset="0"/>
+              </a:rPr>
+              <a:t>giám</a:t>
+            </a:r>
+            <a:r>
+              <a:rPr lang="en-US" sz="1600" b="1" dirty="0">
+                <a:latin typeface="Times New Roman" panose="02020603050405020304" pitchFamily="18" charset="0"/>
+                <a:cs typeface="Times New Roman" panose="02020603050405020304" pitchFamily="18" charset="0"/>
+              </a:rPr>
+              <a:t> </a:t>
+            </a:r>
+            <a:r>
+              <a:rPr lang="en-US" sz="1600" b="1" dirty="0" err="1">
+                <a:latin typeface="Times New Roman" panose="02020603050405020304" pitchFamily="18" charset="0"/>
+                <a:cs typeface="Times New Roman" panose="02020603050405020304" pitchFamily="18" charset="0"/>
+              </a:rPr>
+              <a:t>hiệu</a:t>
+            </a:r>
+            <a:endParaRPr lang="vi-VN" sz="1600" b="1" dirty="0">
+              <a:latin typeface="Times New Roman" panose="02020603050405020304" pitchFamily="18" charset="0"/>
+              <a:cs typeface="Times New Roman" panose="02020603050405020304" pitchFamily="18" charset="0"/>
+            </a:endParaRPr>
+          </a:p>
+        </p:txBody>
+      </p:sp>
+      <p:sp>
+        <p:nvSpPr>
+          <p:cNvPr id="3" name="Rectangle 2"/>
+          <p:cNvSpPr/>
+          <p:nvPr/>
+        </p:nvSpPr>
+        <p:spPr>
+          <a:xfrm>
+            <a:off x="1902940" y="7488194"/>
+            <a:ext cx="1532239" cy="556056"/>
+          </a:xfrm>
+          <a:prstGeom prst="rect">
+            <a:avLst/>
+          </a:prstGeom>
+          <a:solidFill>
+            <a:srgbClr val="F34141"/>
+          </a:solidFill>
+        </p:spPr>
+        <p:style>
+          <a:lnRef idx="2">
+            <a:schemeClr val="accent1">
+              <a:shade val="50000"/>
+            </a:schemeClr>
+          </a:lnRef>
+          <a:fillRef idx="1">
+            <a:schemeClr val="accent1"/>
+          </a:fillRef>
+          <a:effectRef idx="0">
+            <a:schemeClr val="accent1"/>
+          </a:effectRef>
+          <a:fontRef idx="minor">
+            <a:schemeClr val="lt1"/>
+          </a:fontRef>
+        </p:style>
+        <p:txBody>
+          <a:bodyPr rtlCol="0" anchor="ctr"/>
+          <a:lstStyle/>
+          <a:p>
+            <a:pPr algn="ctr"/>
+            <a:r>
+              <a:rPr lang="en-US" sz="1400" dirty="0">
+                <a:latin typeface="Times New Roman" panose="02020603050405020304" pitchFamily="18" charset="0"/>
+                <a:cs typeface="Times New Roman" panose="02020603050405020304" pitchFamily="18" charset="0"/>
+              </a:rPr>
+              <a:t>Tạo </a:t>
+            </a:r>
+            <a:r>
+              <a:rPr lang="en-US" sz="1400" dirty="0" err="1">
+                <a:latin typeface="Times New Roman" panose="02020603050405020304" pitchFamily="18" charset="0"/>
+                <a:cs typeface="Times New Roman" panose="02020603050405020304" pitchFamily="18" charset="0"/>
+              </a:rPr>
+              <a:t>phòng</a:t>
+            </a:r>
+            <a:r>
+              <a:rPr lang="en-US" sz="1400" dirty="0">
+                <a:latin typeface="Times New Roman" panose="02020603050405020304" pitchFamily="18" charset="0"/>
+                <a:cs typeface="Times New Roman" panose="02020603050405020304" pitchFamily="18" charset="0"/>
+              </a:rPr>
+              <a:t> ban</a:t>
+            </a:r>
+            <a:endParaRPr lang="vi-VN" sz="1400" dirty="0">
+              <a:latin typeface="Times New Roman" panose="02020603050405020304" pitchFamily="18" charset="0"/>
+              <a:cs typeface="Times New Roman" panose="02020603050405020304" pitchFamily="18" charset="0"/>
+            </a:endParaRPr>
+          </a:p>
+        </p:txBody>
+      </p:sp>
+      <p:sp>
+        <p:nvSpPr>
+          <p:cNvPr id="4" name="Rectangle 3"/>
+          <p:cNvSpPr/>
+          <p:nvPr/>
+        </p:nvSpPr>
+        <p:spPr>
+          <a:xfrm>
+            <a:off x="222421" y="7488194"/>
+            <a:ext cx="1532239" cy="556056"/>
+          </a:xfrm>
+          <a:prstGeom prst="rect">
+            <a:avLst/>
+          </a:prstGeom>
+          <a:solidFill>
+            <a:srgbClr val="F34141"/>
+          </a:solidFill>
+        </p:spPr>
+        <p:style>
+          <a:lnRef idx="2">
+            <a:schemeClr val="accent1">
+              <a:shade val="50000"/>
+            </a:schemeClr>
+          </a:lnRef>
+          <a:fillRef idx="1">
+            <a:schemeClr val="accent1"/>
+          </a:fillRef>
+          <a:effectRef idx="0">
+            <a:schemeClr val="accent1"/>
+          </a:effectRef>
+          <a:fontRef idx="minor">
+            <a:schemeClr val="lt1"/>
+          </a:fontRef>
+        </p:style>
+        <p:txBody>
+          <a:bodyPr rtlCol="0" anchor="ctr"/>
+          <a:lstStyle/>
+          <a:p>
+            <a:pPr algn="ctr"/>
+            <a:r>
+              <a:rPr lang="en-US" sz="1400" dirty="0" err="1">
+                <a:latin typeface="Times New Roman" panose="02020603050405020304" pitchFamily="18" charset="0"/>
+                <a:cs typeface="Times New Roman" panose="02020603050405020304" pitchFamily="18" charset="0"/>
+              </a:rPr>
+              <a:t>Có</a:t>
+            </a:r>
+            <a:r>
+              <a:rPr lang="en-US" sz="1400" dirty="0">
+                <a:latin typeface="Times New Roman" panose="02020603050405020304" pitchFamily="18" charset="0"/>
+                <a:cs typeface="Times New Roman" panose="02020603050405020304" pitchFamily="18" charset="0"/>
+              </a:rPr>
+              <a:t> </a:t>
+            </a:r>
+            <a:r>
+              <a:rPr lang="en-US" sz="1400" dirty="0" err="1">
+                <a:latin typeface="Times New Roman" panose="02020603050405020304" pitchFamily="18" charset="0"/>
+                <a:cs typeface="Times New Roman" panose="02020603050405020304" pitchFamily="18" charset="0"/>
+              </a:rPr>
+              <a:t>chức</a:t>
+            </a:r>
+            <a:r>
+              <a:rPr lang="en-US" sz="1400" dirty="0">
+                <a:latin typeface="Times New Roman" panose="02020603050405020304" pitchFamily="18" charset="0"/>
+                <a:cs typeface="Times New Roman" panose="02020603050405020304" pitchFamily="18" charset="0"/>
+              </a:rPr>
+              <a:t> </a:t>
+            </a:r>
+            <a:r>
+              <a:rPr lang="en-US" sz="1400" dirty="0" err="1">
+                <a:latin typeface="Times New Roman" panose="02020603050405020304" pitchFamily="18" charset="0"/>
+                <a:cs typeface="Times New Roman" panose="02020603050405020304" pitchFamily="18" charset="0"/>
+              </a:rPr>
+              <a:t>năng</a:t>
+            </a:r>
+            <a:r>
+              <a:rPr lang="en-US" sz="1400" dirty="0">
+                <a:latin typeface="Times New Roman" panose="02020603050405020304" pitchFamily="18" charset="0"/>
+                <a:cs typeface="Times New Roman" panose="02020603050405020304" pitchFamily="18" charset="0"/>
+              </a:rPr>
+              <a:t> </a:t>
+            </a:r>
+            <a:r>
+              <a:rPr lang="en-US" sz="1400" dirty="0" err="1">
+                <a:latin typeface="Times New Roman" panose="02020603050405020304" pitchFamily="18" charset="0"/>
+                <a:cs typeface="Times New Roman" panose="02020603050405020304" pitchFamily="18" charset="0"/>
+              </a:rPr>
+              <a:t>nh</a:t>
+            </a:r>
+            <a:r>
+              <a:rPr lang="vi-VN" sz="1400" dirty="0">
+                <a:latin typeface="Times New Roman" panose="02020603050405020304" pitchFamily="18" charset="0"/>
+                <a:cs typeface="Times New Roman" panose="02020603050405020304" pitchFamily="18" charset="0"/>
+              </a:rPr>
+              <a:t>ư</a:t>
+            </a:r>
+            <a:r>
+              <a:rPr lang="en-US" sz="1400" dirty="0">
+                <a:latin typeface="Times New Roman" panose="02020603050405020304" pitchFamily="18" charset="0"/>
+                <a:cs typeface="Times New Roman" panose="02020603050405020304" pitchFamily="18" charset="0"/>
+              </a:rPr>
+              <a:t> </a:t>
+            </a:r>
+            <a:r>
+              <a:rPr lang="en-US" sz="1400" dirty="0" err="1">
+                <a:latin typeface="Times New Roman" panose="02020603050405020304" pitchFamily="18" charset="0"/>
+                <a:cs typeface="Times New Roman" panose="02020603050405020304" pitchFamily="18" charset="0"/>
+              </a:rPr>
+              <a:t>phòng</a:t>
+            </a:r>
+            <a:r>
+              <a:rPr lang="en-US" sz="1400" dirty="0">
+                <a:latin typeface="Times New Roman" panose="02020603050405020304" pitchFamily="18" charset="0"/>
+                <a:cs typeface="Times New Roman" panose="02020603050405020304" pitchFamily="18" charset="0"/>
+              </a:rPr>
+              <a:t> ban</a:t>
+            </a:r>
+            <a:endParaRPr lang="vi-VN" sz="1400" dirty="0">
+              <a:latin typeface="Times New Roman" panose="02020603050405020304" pitchFamily="18" charset="0"/>
+              <a:cs typeface="Times New Roman" panose="02020603050405020304" pitchFamily="18" charset="0"/>
+            </a:endParaRPr>
+          </a:p>
+        </p:txBody>
+      </p:sp>
+      <p:cxnSp>
+        <p:nvCxnSpPr>
+          <p:cNvPr id="6" name="Straight Arrow Connector 5"/>
+          <p:cNvCxnSpPr>
+            <a:cxnSpLocks/>
+            <a:stCxn id="2" idx="4"/>
+            <a:endCxn id="4" idx="0"/>
+          </p:cNvCxnSpPr>
+          <p:nvPr/>
+        </p:nvCxnSpPr>
+        <p:spPr>
+          <a:xfrm flipH="1">
+            <a:off x="988541" y="7228700"/>
+            <a:ext cx="840260" cy="259494"/>
+          </a:xfrm>
+          <a:prstGeom prst="straightConnector1">
+            <a:avLst/>
+          </a:prstGeom>
+          <a:ln>
+            <a:tailEnd type="triangle"/>
+          </a:ln>
+        </p:spPr>
+        <p:style>
+          <a:lnRef idx="1">
+            <a:schemeClr val="accent1"/>
+          </a:lnRef>
+          <a:fillRef idx="0">
+            <a:schemeClr val="accent1"/>
+          </a:fillRef>
+          <a:effectRef idx="0">
+            <a:schemeClr val="accent1"/>
+          </a:effectRef>
+          <a:fontRef idx="minor">
+            <a:schemeClr val="tx1"/>
+          </a:fontRef>
+        </p:style>
+      </p:cxnSp>
+      <p:cxnSp>
+        <p:nvCxnSpPr>
+          <p:cNvPr id="8" name="Straight Arrow Connector 7"/>
+          <p:cNvCxnSpPr>
+            <a:cxnSpLocks/>
+            <a:stCxn id="2" idx="4"/>
+            <a:endCxn id="3" idx="0"/>
+          </p:cNvCxnSpPr>
+          <p:nvPr/>
+        </p:nvCxnSpPr>
+        <p:spPr>
+          <a:xfrm>
+            <a:off x="1828801" y="7228700"/>
+            <a:ext cx="840259" cy="259494"/>
+          </a:xfrm>
+          <a:prstGeom prst="straightConnector1">
+            <a:avLst/>
+          </a:prstGeom>
+          <a:ln>
+            <a:tailEnd type="triangle"/>
+          </a:ln>
+        </p:spPr>
+        <p:style>
+          <a:lnRef idx="1">
+            <a:schemeClr val="accent1"/>
+          </a:lnRef>
+          <a:fillRef idx="0">
+            <a:schemeClr val="accent1"/>
+          </a:fillRef>
+          <a:effectRef idx="0">
+            <a:schemeClr val="accent1"/>
+          </a:effectRef>
+          <a:fontRef idx="minor">
+            <a:schemeClr val="tx1"/>
+          </a:fontRef>
+        </p:style>
+      </p:cxnSp>
+    </p:spTree>
+    <p:extLst>
+      <p:ext uri="{BB962C8B-B14F-4D97-AF65-F5344CB8AC3E}">
+        <p14:creationId xmlns:p14="http://schemas.microsoft.com/office/powerpoint/2010/main" val="1550114173"/>
       </p:ext>
     </p:extLst>
   </p:cSld>
